--- a/Презка для проiкта.pptx
+++ b/Презка для проiкта.pptx
@@ -11,7 +11,7 @@
     <p:sldId id="259" r:id="rId5"/>
     <p:sldId id="276" r:id="rId6"/>
     <p:sldId id="260" r:id="rId7"/>
-    <p:sldId id="278" r:id="rId8"/>
+    <p:sldId id="279" r:id="rId8"/>
     <p:sldId id="261" r:id="rId9"/>
     <p:sldId id="269" r:id="rId10"/>
     <p:sldId id="270" r:id="rId11"/>
@@ -1655,755 +1655,6 @@
 </file>
 
 <file path=ppt/diagrams/colors3.xml><?xml version="1.0" encoding="utf-8"?>
-<dgm:colorsDef xmlns:dgm="http://schemas.openxmlformats.org/drawingml/2006/diagram" xmlns:a="http://schemas.openxmlformats.org/drawingml/2006/main" uniqueId="urn:microsoft.com/office/officeart/2018/5/colors/Iconchunking_neutralbg_accent1_2">
-  <dgm:title val=""/>
-  <dgm:desc val=""/>
-  <dgm:catLst>
-    <dgm:cat type="accent1" pri="11200"/>
-  </dgm:catLst>
-  <dgm:styleLbl name="node0">
-    <dgm:fillClrLst meth="repeat">
-      <a:schemeClr val="accent1"/>
-    </dgm:fillClrLst>
-    <dgm:linClrLst meth="repeat">
-      <a:schemeClr val="lt1"/>
-    </dgm:linClrLst>
-    <dgm:effectClrLst/>
-    <dgm:txLinClrLst/>
-    <dgm:txFillClrLst/>
-    <dgm:txEffectClrLst/>
-  </dgm:styleLbl>
-  <dgm:styleLbl name="alignNode1">
-    <dgm:fillClrLst meth="repeat">
-      <a:schemeClr val="accent1"/>
-    </dgm:fillClrLst>
-    <dgm:linClrLst meth="repeat">
-      <a:schemeClr val="accent1"/>
-    </dgm:linClrLst>
-    <dgm:effectClrLst/>
-    <dgm:txLinClrLst/>
-    <dgm:txFillClrLst/>
-    <dgm:txEffectClrLst/>
-  </dgm:styleLbl>
-  <dgm:styleLbl name="node1">
-    <dgm:fillClrLst meth="repeat">
-      <a:schemeClr val="accent1"/>
-    </dgm:fillClrLst>
-    <dgm:linClrLst meth="repeat">
-      <a:schemeClr val="lt1">
-        <a:alpha val="0"/>
-      </a:schemeClr>
-    </dgm:linClrLst>
-    <dgm:effectClrLst/>
-    <dgm:txLinClrLst/>
-    <dgm:txFillClrLst/>
-    <dgm:txEffectClrLst/>
-  </dgm:styleLbl>
-  <dgm:styleLbl name="lnNode1">
-    <dgm:fillClrLst meth="repeat">
-      <a:schemeClr val="accent1"/>
-    </dgm:fillClrLst>
-    <dgm:linClrLst meth="repeat">
-      <a:schemeClr val="lt1"/>
-    </dgm:linClrLst>
-    <dgm:effectClrLst/>
-    <dgm:txLinClrLst/>
-    <dgm:txFillClrLst/>
-    <dgm:txEffectClrLst/>
-  </dgm:styleLbl>
-  <dgm:styleLbl name="vennNode1">
-    <dgm:fillClrLst meth="repeat">
-      <a:schemeClr val="accent1">
-        <a:alpha val="50000"/>
-      </a:schemeClr>
-    </dgm:fillClrLst>
-    <dgm:linClrLst meth="repeat">
-      <a:schemeClr val="lt1"/>
-    </dgm:linClrLst>
-    <dgm:effectClrLst/>
-    <dgm:txLinClrLst/>
-    <dgm:txFillClrLst/>
-    <dgm:txEffectClrLst/>
-  </dgm:styleLbl>
-  <dgm:styleLbl name="node2">
-    <dgm:fillClrLst meth="repeat">
-      <a:schemeClr val="accent1"/>
-    </dgm:fillClrLst>
-    <dgm:linClrLst meth="repeat">
-      <a:schemeClr val="lt1"/>
-    </dgm:linClrLst>
-    <dgm:effectClrLst/>
-    <dgm:txLinClrLst/>
-    <dgm:txFillClrLst/>
-    <dgm:txEffectClrLst/>
-  </dgm:styleLbl>
-  <dgm:styleLbl name="node3">
-    <dgm:fillClrLst meth="repeat">
-      <a:schemeClr val="accent1"/>
-    </dgm:fillClrLst>
-    <dgm:linClrLst meth="repeat">
-      <a:schemeClr val="lt1"/>
-    </dgm:linClrLst>
-    <dgm:effectClrLst/>
-    <dgm:txLinClrLst/>
-    <dgm:txFillClrLst/>
-    <dgm:txEffectClrLst/>
-  </dgm:styleLbl>
-  <dgm:styleLbl name="node4">
-    <dgm:fillClrLst meth="repeat">
-      <a:schemeClr val="accent1"/>
-    </dgm:fillClrLst>
-    <dgm:linClrLst meth="repeat">
-      <a:schemeClr val="lt1"/>
-    </dgm:linClrLst>
-    <dgm:effectClrLst/>
-    <dgm:txLinClrLst/>
-    <dgm:txFillClrLst/>
-    <dgm:txEffectClrLst/>
-  </dgm:styleLbl>
-  <dgm:styleLbl name="fgImgPlace1">
-    <dgm:fillClrLst meth="repeat">
-      <a:schemeClr val="accent1">
-        <a:tint val="50000"/>
-      </a:schemeClr>
-    </dgm:fillClrLst>
-    <dgm:linClrLst meth="repeat">
-      <a:schemeClr val="lt1"/>
-    </dgm:linClrLst>
-    <dgm:effectClrLst/>
-    <dgm:txLinClrLst/>
-    <dgm:txFillClrLst meth="repeat">
-      <a:schemeClr val="lt1"/>
-    </dgm:txFillClrLst>
-    <dgm:txEffectClrLst/>
-  </dgm:styleLbl>
-  <dgm:styleLbl name="alignImgPlace1">
-    <dgm:fillClrLst meth="repeat">
-      <a:schemeClr val="accent1">
-        <a:tint val="50000"/>
-      </a:schemeClr>
-    </dgm:fillClrLst>
-    <dgm:linClrLst meth="repeat">
-      <a:schemeClr val="lt1"/>
-    </dgm:linClrLst>
-    <dgm:effectClrLst/>
-    <dgm:txLinClrLst/>
-    <dgm:txFillClrLst meth="repeat">
-      <a:schemeClr val="lt1"/>
-    </dgm:txFillClrLst>
-    <dgm:txEffectClrLst/>
-  </dgm:styleLbl>
-  <dgm:styleLbl name="bgImgPlace1">
-    <dgm:fillClrLst meth="repeat">
-      <a:schemeClr val="accent1">
-        <a:tint val="50000"/>
-      </a:schemeClr>
-    </dgm:fillClrLst>
-    <dgm:linClrLst meth="repeat">
-      <a:schemeClr val="lt1"/>
-    </dgm:linClrLst>
-    <dgm:effectClrLst/>
-    <dgm:txLinClrLst/>
-    <dgm:txFillClrLst meth="repeat">
-      <a:schemeClr val="lt1"/>
-    </dgm:txFillClrLst>
-    <dgm:txEffectClrLst/>
-  </dgm:styleLbl>
-  <dgm:styleLbl name="sibTrans2D1">
-    <dgm:fillClrLst meth="repeat">
-      <a:schemeClr val="accent1">
-        <a:tint val="60000"/>
-      </a:schemeClr>
-    </dgm:fillClrLst>
-    <dgm:linClrLst meth="repeat">
-      <a:schemeClr val="accent1">
-        <a:tint val="60000"/>
-      </a:schemeClr>
-    </dgm:linClrLst>
-    <dgm:effectClrLst/>
-    <dgm:txLinClrLst/>
-    <dgm:txFillClrLst/>
-    <dgm:txEffectClrLst/>
-  </dgm:styleLbl>
-  <dgm:styleLbl name="fgSibTrans2D1">
-    <dgm:fillClrLst meth="repeat">
-      <a:schemeClr val="accent1">
-        <a:tint val="60000"/>
-      </a:schemeClr>
-    </dgm:fillClrLst>
-    <dgm:linClrLst meth="repeat">
-      <a:schemeClr val="accent1">
-        <a:tint val="60000"/>
-      </a:schemeClr>
-    </dgm:linClrLst>
-    <dgm:effectClrLst/>
-    <dgm:txLinClrLst/>
-    <dgm:txFillClrLst/>
-    <dgm:txEffectClrLst/>
-  </dgm:styleLbl>
-  <dgm:styleLbl name="bgSibTrans2D1">
-    <dgm:fillClrLst meth="repeat">
-      <a:schemeClr val="accent1">
-        <a:tint val="60000"/>
-      </a:schemeClr>
-    </dgm:fillClrLst>
-    <dgm:linClrLst meth="repeat">
-      <a:schemeClr val="accent1">
-        <a:tint val="60000"/>
-      </a:schemeClr>
-    </dgm:linClrLst>
-    <dgm:effectClrLst/>
-    <dgm:txLinClrLst/>
-    <dgm:txFillClrLst/>
-    <dgm:txEffectClrLst/>
-  </dgm:styleLbl>
-  <dgm:styleLbl name="sibTrans1D1">
-    <dgm:fillClrLst meth="repeat">
-      <a:schemeClr val="accent1"/>
-    </dgm:fillClrLst>
-    <dgm:linClrLst meth="repeat">
-      <a:schemeClr val="accent1"/>
-    </dgm:linClrLst>
-    <dgm:effectClrLst/>
-    <dgm:txLinClrLst/>
-    <dgm:txFillClrLst meth="repeat">
-      <a:schemeClr val="tx1"/>
-    </dgm:txFillClrLst>
-    <dgm:txEffectClrLst/>
-  </dgm:styleLbl>
-  <dgm:styleLbl name="callout">
-    <dgm:fillClrLst meth="repeat">
-      <a:schemeClr val="accent1"/>
-    </dgm:fillClrLst>
-    <dgm:linClrLst meth="repeat">
-      <a:schemeClr val="accent1">
-        <a:tint val="50000"/>
-      </a:schemeClr>
-    </dgm:linClrLst>
-    <dgm:effectClrLst/>
-    <dgm:txLinClrLst/>
-    <dgm:txFillClrLst meth="repeat">
-      <a:schemeClr val="tx1"/>
-    </dgm:txFillClrLst>
-    <dgm:txEffectClrLst/>
-  </dgm:styleLbl>
-  <dgm:styleLbl name="asst0">
-    <dgm:fillClrLst meth="repeat">
-      <a:schemeClr val="accent1"/>
-    </dgm:fillClrLst>
-    <dgm:linClrLst meth="repeat">
-      <a:schemeClr val="lt1"/>
-    </dgm:linClrLst>
-    <dgm:effectClrLst/>
-    <dgm:txLinClrLst/>
-    <dgm:txFillClrLst/>
-    <dgm:txEffectClrLst/>
-  </dgm:styleLbl>
-  <dgm:styleLbl name="asst1">
-    <dgm:fillClrLst meth="repeat">
-      <a:schemeClr val="accent1"/>
-    </dgm:fillClrLst>
-    <dgm:linClrLst meth="repeat">
-      <a:schemeClr val="lt1"/>
-    </dgm:linClrLst>
-    <dgm:effectClrLst/>
-    <dgm:txLinClrLst/>
-    <dgm:txFillClrLst/>
-    <dgm:txEffectClrLst/>
-  </dgm:styleLbl>
-  <dgm:styleLbl name="asst2">
-    <dgm:fillClrLst meth="repeat">
-      <a:schemeClr val="accent1"/>
-    </dgm:fillClrLst>
-    <dgm:linClrLst meth="repeat">
-      <a:schemeClr val="lt1"/>
-    </dgm:linClrLst>
-    <dgm:effectClrLst/>
-    <dgm:txLinClrLst/>
-    <dgm:txFillClrLst/>
-    <dgm:txEffectClrLst/>
-  </dgm:styleLbl>
-  <dgm:styleLbl name="asst3">
-    <dgm:fillClrLst meth="repeat">
-      <a:schemeClr val="accent1"/>
-    </dgm:fillClrLst>
-    <dgm:linClrLst meth="repeat">
-      <a:schemeClr val="lt1"/>
-    </dgm:linClrLst>
-    <dgm:effectClrLst/>
-    <dgm:txLinClrLst/>
-    <dgm:txFillClrLst/>
-    <dgm:txEffectClrLst/>
-  </dgm:styleLbl>
-  <dgm:styleLbl name="asst4">
-    <dgm:fillClrLst meth="repeat">
-      <a:schemeClr val="accent1"/>
-    </dgm:fillClrLst>
-    <dgm:linClrLst meth="repeat">
-      <a:schemeClr val="lt1"/>
-    </dgm:linClrLst>
-    <dgm:effectClrLst/>
-    <dgm:txLinClrLst/>
-    <dgm:txFillClrLst/>
-    <dgm:txEffectClrLst/>
-  </dgm:styleLbl>
-  <dgm:styleLbl name="parChTrans2D1">
-    <dgm:fillClrLst meth="repeat">
-      <a:schemeClr val="accent1">
-        <a:tint val="60000"/>
-      </a:schemeClr>
-    </dgm:fillClrLst>
-    <dgm:linClrLst meth="repeat">
-      <a:schemeClr val="accent1">
-        <a:tint val="60000"/>
-      </a:schemeClr>
-    </dgm:linClrLst>
-    <dgm:effectClrLst/>
-    <dgm:txLinClrLst/>
-    <dgm:txFillClrLst meth="repeat">
-      <a:schemeClr val="lt1"/>
-    </dgm:txFillClrLst>
-    <dgm:txEffectClrLst/>
-  </dgm:styleLbl>
-  <dgm:styleLbl name="parChTrans2D2">
-    <dgm:fillClrLst meth="repeat">
-      <a:schemeClr val="accent1"/>
-    </dgm:fillClrLst>
-    <dgm:linClrLst meth="repeat">
-      <a:schemeClr val="accent1"/>
-    </dgm:linClrLst>
-    <dgm:effectClrLst/>
-    <dgm:txLinClrLst/>
-    <dgm:txFillClrLst meth="repeat">
-      <a:schemeClr val="lt1"/>
-    </dgm:txFillClrLst>
-    <dgm:txEffectClrLst/>
-  </dgm:styleLbl>
-  <dgm:styleLbl name="parChTrans2D3">
-    <dgm:fillClrLst meth="repeat">
-      <a:schemeClr val="accent1"/>
-    </dgm:fillClrLst>
-    <dgm:linClrLst meth="repeat">
-      <a:schemeClr val="accent1"/>
-    </dgm:linClrLst>
-    <dgm:effectClrLst/>
-    <dgm:txLinClrLst/>
-    <dgm:txFillClrLst meth="repeat">
-      <a:schemeClr val="lt1"/>
-    </dgm:txFillClrLst>
-    <dgm:txEffectClrLst/>
-  </dgm:styleLbl>
-  <dgm:styleLbl name="parChTrans2D4">
-    <dgm:fillClrLst meth="repeat">
-      <a:schemeClr val="accent1"/>
-    </dgm:fillClrLst>
-    <dgm:linClrLst meth="repeat">
-      <a:schemeClr val="accent1"/>
-    </dgm:linClrLst>
-    <dgm:effectClrLst/>
-    <dgm:txLinClrLst/>
-    <dgm:txFillClrLst meth="repeat">
-      <a:schemeClr val="lt1"/>
-    </dgm:txFillClrLst>
-    <dgm:txEffectClrLst/>
-  </dgm:styleLbl>
-  <dgm:styleLbl name="parChTrans1D1">
-    <dgm:fillClrLst meth="repeat">
-      <a:schemeClr val="accent1"/>
-    </dgm:fillClrLst>
-    <dgm:linClrLst meth="repeat">
-      <a:schemeClr val="accent1">
-        <a:shade val="60000"/>
-      </a:schemeClr>
-    </dgm:linClrLst>
-    <dgm:effectClrLst/>
-    <dgm:txLinClrLst/>
-    <dgm:txFillClrLst meth="repeat">
-      <a:schemeClr val="tx1"/>
-    </dgm:txFillClrLst>
-    <dgm:txEffectClrLst/>
-  </dgm:styleLbl>
-  <dgm:styleLbl name="parChTrans1D2">
-    <dgm:fillClrLst meth="repeat">
-      <a:schemeClr val="accent1"/>
-    </dgm:fillClrLst>
-    <dgm:linClrLst meth="repeat">
-      <a:schemeClr val="accent1">
-        <a:shade val="60000"/>
-      </a:schemeClr>
-    </dgm:linClrLst>
-    <dgm:effectClrLst/>
-    <dgm:txLinClrLst/>
-    <dgm:txFillClrLst meth="repeat">
-      <a:schemeClr val="tx1"/>
-    </dgm:txFillClrLst>
-    <dgm:txEffectClrLst/>
-  </dgm:styleLbl>
-  <dgm:styleLbl name="parChTrans1D3">
-    <dgm:fillClrLst meth="repeat">
-      <a:schemeClr val="accent1"/>
-    </dgm:fillClrLst>
-    <dgm:linClrLst meth="repeat">
-      <a:schemeClr val="accent1">
-        <a:shade val="80000"/>
-      </a:schemeClr>
-    </dgm:linClrLst>
-    <dgm:effectClrLst/>
-    <dgm:txLinClrLst/>
-    <dgm:txFillClrLst meth="repeat">
-      <a:schemeClr val="tx1"/>
-    </dgm:txFillClrLst>
-    <dgm:txEffectClrLst/>
-  </dgm:styleLbl>
-  <dgm:styleLbl name="parChTrans1D4">
-    <dgm:fillClrLst meth="repeat">
-      <a:schemeClr val="accent1"/>
-    </dgm:fillClrLst>
-    <dgm:linClrLst meth="repeat">
-      <a:schemeClr val="accent1">
-        <a:shade val="80000"/>
-      </a:schemeClr>
-    </dgm:linClrLst>
-    <dgm:effectClrLst/>
-    <dgm:txLinClrLst/>
-    <dgm:txFillClrLst meth="repeat">
-      <a:schemeClr val="tx1"/>
-    </dgm:txFillClrLst>
-    <dgm:txEffectClrLst/>
-  </dgm:styleLbl>
-  <dgm:styleLbl name="fgAcc1">
-    <dgm:fillClrLst meth="repeat">
-      <a:schemeClr val="lt1">
-        <a:alpha val="90000"/>
-      </a:schemeClr>
-    </dgm:fillClrLst>
-    <dgm:linClrLst meth="repeat">
-      <a:schemeClr val="accent1"/>
-    </dgm:linClrLst>
-    <dgm:effectClrLst/>
-    <dgm:txLinClrLst/>
-    <dgm:txFillClrLst meth="repeat">
-      <a:schemeClr val="dk1"/>
-    </dgm:txFillClrLst>
-    <dgm:txEffectClrLst/>
-  </dgm:styleLbl>
-  <dgm:styleLbl name="conFgAcc1">
-    <dgm:fillClrLst meth="repeat">
-      <a:schemeClr val="lt1">
-        <a:alpha val="90000"/>
-      </a:schemeClr>
-    </dgm:fillClrLst>
-    <dgm:linClrLst meth="repeat">
-      <a:schemeClr val="accent1"/>
-    </dgm:linClrLst>
-    <dgm:effectClrLst/>
-    <dgm:txLinClrLst/>
-    <dgm:txFillClrLst meth="repeat">
-      <a:schemeClr val="dk1"/>
-    </dgm:txFillClrLst>
-    <dgm:txEffectClrLst/>
-  </dgm:styleLbl>
-  <dgm:styleLbl name="alignAcc1">
-    <dgm:fillClrLst meth="repeat">
-      <a:schemeClr val="lt1">
-        <a:alpha val="90000"/>
-      </a:schemeClr>
-    </dgm:fillClrLst>
-    <dgm:linClrLst meth="repeat">
-      <a:schemeClr val="accent1"/>
-    </dgm:linClrLst>
-    <dgm:effectClrLst/>
-    <dgm:txLinClrLst/>
-    <dgm:txFillClrLst meth="repeat">
-      <a:schemeClr val="dk1"/>
-    </dgm:txFillClrLst>
-    <dgm:txEffectClrLst/>
-  </dgm:styleLbl>
-  <dgm:styleLbl name="trAlignAcc1">
-    <dgm:fillClrLst meth="repeat">
-      <a:schemeClr val="lt1">
-        <a:alpha val="40000"/>
-      </a:schemeClr>
-    </dgm:fillClrLst>
-    <dgm:linClrLst meth="repeat">
-      <a:schemeClr val="accent1"/>
-    </dgm:linClrLst>
-    <dgm:effectClrLst/>
-    <dgm:txLinClrLst/>
-    <dgm:txFillClrLst meth="repeat">
-      <a:schemeClr val="dk1"/>
-    </dgm:txFillClrLst>
-    <dgm:txEffectClrLst/>
-  </dgm:styleLbl>
-  <dgm:styleLbl name="bgAcc1">
-    <dgm:fillClrLst meth="repeat">
-      <a:schemeClr val="lt1">
-        <a:alpha val="90000"/>
-      </a:schemeClr>
-    </dgm:fillClrLst>
-    <dgm:linClrLst meth="repeat">
-      <a:schemeClr val="accent1"/>
-    </dgm:linClrLst>
-    <dgm:effectClrLst/>
-    <dgm:txLinClrLst/>
-    <dgm:txFillClrLst meth="repeat">
-      <a:schemeClr val="dk1"/>
-    </dgm:txFillClrLst>
-    <dgm:txEffectClrLst/>
-  </dgm:styleLbl>
-  <dgm:styleLbl name="solidFgAcc1">
-    <dgm:fillClrLst meth="repeat">
-      <a:schemeClr val="lt1"/>
-    </dgm:fillClrLst>
-    <dgm:linClrLst meth="repeat">
-      <a:schemeClr val="accent1"/>
-    </dgm:linClrLst>
-    <dgm:effectClrLst/>
-    <dgm:txLinClrLst/>
-    <dgm:txFillClrLst meth="repeat">
-      <a:schemeClr val="dk1"/>
-    </dgm:txFillClrLst>
-    <dgm:txEffectClrLst/>
-  </dgm:styleLbl>
-  <dgm:styleLbl name="solidAlignAcc1">
-    <dgm:fillClrLst meth="repeat">
-      <a:schemeClr val="lt1"/>
-    </dgm:fillClrLst>
-    <dgm:linClrLst meth="repeat">
-      <a:schemeClr val="accent1"/>
-    </dgm:linClrLst>
-    <dgm:effectClrLst/>
-    <dgm:txLinClrLst/>
-    <dgm:txFillClrLst meth="repeat">
-      <a:schemeClr val="dk1"/>
-    </dgm:txFillClrLst>
-    <dgm:txEffectClrLst/>
-  </dgm:styleLbl>
-  <dgm:styleLbl name="solidBgAcc1">
-    <dgm:fillClrLst meth="repeat">
-      <a:schemeClr val="lt1"/>
-    </dgm:fillClrLst>
-    <dgm:linClrLst meth="repeat">
-      <a:schemeClr val="accent1"/>
-    </dgm:linClrLst>
-    <dgm:effectClrLst/>
-    <dgm:txLinClrLst/>
-    <dgm:txFillClrLst meth="repeat">
-      <a:schemeClr val="dk1"/>
-    </dgm:txFillClrLst>
-    <dgm:txEffectClrLst/>
-  </dgm:styleLbl>
-  <dgm:styleLbl name="fgAccFollowNode1">
-    <dgm:fillClrLst meth="repeat">
-      <a:schemeClr val="accent1">
-        <a:alpha val="90000"/>
-        <a:tint val="40000"/>
-      </a:schemeClr>
-    </dgm:fillClrLst>
-    <dgm:linClrLst meth="repeat">
-      <a:schemeClr val="accent1">
-        <a:alpha val="90000"/>
-        <a:tint val="40000"/>
-      </a:schemeClr>
-    </dgm:linClrLst>
-    <dgm:effectClrLst/>
-    <dgm:txLinClrLst/>
-    <dgm:txFillClrLst meth="repeat">
-      <a:schemeClr val="dk1"/>
-    </dgm:txFillClrLst>
-    <dgm:txEffectClrLst/>
-  </dgm:styleLbl>
-  <dgm:styleLbl name="alignAccFollowNode1">
-    <dgm:fillClrLst meth="repeat">
-      <a:schemeClr val="accent1">
-        <a:alpha val="90000"/>
-        <a:tint val="40000"/>
-      </a:schemeClr>
-    </dgm:fillClrLst>
-    <dgm:linClrLst meth="repeat">
-      <a:schemeClr val="accent1">
-        <a:alpha val="90000"/>
-        <a:tint val="40000"/>
-      </a:schemeClr>
-    </dgm:linClrLst>
-    <dgm:effectClrLst/>
-    <dgm:txLinClrLst/>
-    <dgm:txFillClrLst meth="repeat">
-      <a:schemeClr val="dk1"/>
-    </dgm:txFillClrLst>
-    <dgm:txEffectClrLst/>
-  </dgm:styleLbl>
-  <dgm:styleLbl name="bgAccFollowNode1">
-    <dgm:fillClrLst meth="repeat">
-      <a:schemeClr val="accent1">
-        <a:alpha val="90000"/>
-        <a:tint val="40000"/>
-      </a:schemeClr>
-    </dgm:fillClrLst>
-    <dgm:linClrLst meth="repeat">
-      <a:schemeClr val="accent1">
-        <a:alpha val="90000"/>
-        <a:tint val="40000"/>
-      </a:schemeClr>
-    </dgm:linClrLst>
-    <dgm:effectClrLst/>
-    <dgm:txLinClrLst/>
-    <dgm:txFillClrLst meth="repeat">
-      <a:schemeClr val="dk1"/>
-    </dgm:txFillClrLst>
-    <dgm:txEffectClrLst/>
-  </dgm:styleLbl>
-  <dgm:styleLbl name="fgAcc0">
-    <dgm:fillClrLst meth="repeat">
-      <a:schemeClr val="lt1">
-        <a:alpha val="90000"/>
-      </a:schemeClr>
-    </dgm:fillClrLst>
-    <dgm:linClrLst meth="repeat">
-      <a:schemeClr val="accent1"/>
-    </dgm:linClrLst>
-    <dgm:effectClrLst/>
-    <dgm:txLinClrLst/>
-    <dgm:txFillClrLst meth="repeat">
-      <a:schemeClr val="dk1"/>
-    </dgm:txFillClrLst>
-    <dgm:txEffectClrLst/>
-  </dgm:styleLbl>
-  <dgm:styleLbl name="fgAcc2">
-    <dgm:fillClrLst meth="repeat">
-      <a:schemeClr val="lt1">
-        <a:alpha val="90000"/>
-      </a:schemeClr>
-    </dgm:fillClrLst>
-    <dgm:linClrLst meth="repeat">
-      <a:schemeClr val="accent1"/>
-    </dgm:linClrLst>
-    <dgm:effectClrLst/>
-    <dgm:txLinClrLst/>
-    <dgm:txFillClrLst meth="repeat">
-      <a:schemeClr val="dk1"/>
-    </dgm:txFillClrLst>
-    <dgm:txEffectClrLst/>
-  </dgm:styleLbl>
-  <dgm:styleLbl name="fgAcc3">
-    <dgm:fillClrLst meth="repeat">
-      <a:schemeClr val="lt1">
-        <a:alpha val="90000"/>
-      </a:schemeClr>
-    </dgm:fillClrLst>
-    <dgm:linClrLst meth="repeat">
-      <a:schemeClr val="accent1"/>
-    </dgm:linClrLst>
-    <dgm:effectClrLst/>
-    <dgm:txLinClrLst/>
-    <dgm:txFillClrLst meth="repeat">
-      <a:schemeClr val="dk1"/>
-    </dgm:txFillClrLst>
-    <dgm:txEffectClrLst/>
-  </dgm:styleLbl>
-  <dgm:styleLbl name="fgAcc4">
-    <dgm:fillClrLst meth="repeat">
-      <a:schemeClr val="lt1">
-        <a:alpha val="90000"/>
-      </a:schemeClr>
-    </dgm:fillClrLst>
-    <dgm:linClrLst meth="repeat">
-      <a:schemeClr val="accent1"/>
-    </dgm:linClrLst>
-    <dgm:effectClrLst/>
-    <dgm:txLinClrLst/>
-    <dgm:txFillClrLst meth="repeat">
-      <a:schemeClr val="dk1"/>
-    </dgm:txFillClrLst>
-    <dgm:txEffectClrLst/>
-  </dgm:styleLbl>
-  <dgm:styleLbl name="bgShp">
-    <dgm:fillClrLst meth="repeat">
-      <a:schemeClr val="bg1">
-        <a:lumMod val="95000"/>
-      </a:schemeClr>
-    </dgm:fillClrLst>
-    <dgm:linClrLst meth="repeat">
-      <a:schemeClr val="accent1"/>
-    </dgm:linClrLst>
-    <dgm:effectClrLst/>
-    <dgm:txLinClrLst/>
-    <dgm:txFillClrLst meth="repeat">
-      <a:schemeClr val="dk1"/>
-    </dgm:txFillClrLst>
-    <dgm:txEffectClrLst/>
-  </dgm:styleLbl>
-  <dgm:styleLbl name="dkBgShp">
-    <dgm:fillClrLst meth="repeat">
-      <a:schemeClr val="accent1">
-        <a:shade val="80000"/>
-      </a:schemeClr>
-    </dgm:fillClrLst>
-    <dgm:linClrLst meth="repeat">
-      <a:schemeClr val="accent1"/>
-    </dgm:linClrLst>
-    <dgm:effectClrLst/>
-    <dgm:txLinClrLst/>
-    <dgm:txFillClrLst meth="repeat">
-      <a:schemeClr val="lt1"/>
-    </dgm:txFillClrLst>
-    <dgm:txEffectClrLst/>
-  </dgm:styleLbl>
-  <dgm:styleLbl name="trBgShp">
-    <dgm:fillClrLst meth="repeat">
-      <a:schemeClr val="accent1">
-        <a:tint val="50000"/>
-        <a:alpha val="40000"/>
-      </a:schemeClr>
-    </dgm:fillClrLst>
-    <dgm:linClrLst meth="repeat">
-      <a:schemeClr val="accent1"/>
-    </dgm:linClrLst>
-    <dgm:effectClrLst/>
-    <dgm:txLinClrLst/>
-    <dgm:txFillClrLst meth="repeat">
-      <a:schemeClr val="lt1"/>
-    </dgm:txFillClrLst>
-    <dgm:txEffectClrLst/>
-  </dgm:styleLbl>
-  <dgm:styleLbl name="fgShp">
-    <dgm:fillClrLst meth="repeat">
-      <a:schemeClr val="accent1">
-        <a:tint val="60000"/>
-      </a:schemeClr>
-    </dgm:fillClrLst>
-    <dgm:linClrLst meth="repeat">
-      <a:schemeClr val="lt1"/>
-    </dgm:linClrLst>
-    <dgm:effectClrLst/>
-    <dgm:txLinClrLst/>
-    <dgm:txFillClrLst meth="repeat">
-      <a:schemeClr val="dk1"/>
-    </dgm:txFillClrLst>
-    <dgm:txEffectClrLst/>
-  </dgm:styleLbl>
-  <dgm:styleLbl name="revTx">
-    <dgm:fillClrLst meth="repeat">
-      <a:schemeClr val="lt1">
-        <a:alpha val="0"/>
-      </a:schemeClr>
-    </dgm:fillClrLst>
-    <dgm:linClrLst meth="repeat">
-      <a:schemeClr val="dk1">
-        <a:alpha val="0"/>
-      </a:schemeClr>
-    </dgm:linClrLst>
-    <dgm:effectClrLst/>
-    <dgm:txLinClrLst/>
-    <dgm:txFillClrLst meth="repeat">
-      <a:schemeClr val="tx1"/>
-    </dgm:txFillClrLst>
-    <dgm:txEffectClrLst/>
-  </dgm:styleLbl>
-</dgm:colorsDef>
-</file>
-
-<file path=ppt/diagrams/colors4.xml><?xml version="1.0" encoding="utf-8"?>
 <dgm:colorsDef xmlns:dgm="http://schemas.openxmlformats.org/drawingml/2006/diagram" xmlns:a="http://schemas.openxmlformats.org/drawingml/2006/main" uniqueId="urn:microsoft.com/office/officeart/2018/5/colors/Iconchunking_neutralbg_colorful1">
   <dgm:title val=""/>
   <dgm:desc val=""/>
@@ -4011,269 +3262,6 @@
 </file>
 
 <file path=ppt/diagrams/data3.xml><?xml version="1.0" encoding="utf-8"?>
-<dgm:dataModel xmlns:dgm="http://schemas.openxmlformats.org/drawingml/2006/diagram" xmlns:a="http://schemas.openxmlformats.org/drawingml/2006/main">
-  <dgm:ptLst>
-    <dgm:pt modelId="{5B9740F9-0ECE-486C-8150-2BFBE7F5C143}" type="doc">
-      <dgm:prSet loTypeId="urn:microsoft.com/office/officeart/2018/5/layout/IconCircleLabelList" loCatId="icon" qsTypeId="urn:microsoft.com/office/officeart/2005/8/quickstyle/simple1" qsCatId="simple" csTypeId="urn:microsoft.com/office/officeart/2018/5/colors/Iconchunking_neutralbg_accent1_2" csCatId="accent1" phldr="1"/>
-      <dgm:spPr/>
-      <dgm:t>
-        <a:bodyPr/>
-        <a:lstStyle/>
-        <a:p>
-          <a:endParaRPr lang="en-US"/>
-        </a:p>
-      </dgm:t>
-    </dgm:pt>
-    <dgm:pt modelId="{22F23BA1-D6F0-4A8C-9D82-DF06D37156A5}">
-      <dgm:prSet/>
-      <dgm:spPr/>
-      <dgm:t>
-        <a:bodyPr/>
-        <a:lstStyle/>
-        <a:p>
-          <a:pPr>
-            <a:lnSpc>
-              <a:spcPct val="100000"/>
-            </a:lnSpc>
-            <a:defRPr cap="all"/>
-          </a:pPr>
-          <a:r>
-            <a:rPr lang="ru-RU"/>
-            <a:t>Архитектура:</a:t>
-          </a:r>
-        </a:p>
-        <a:p>
-          <a:pPr>
-            <a:lnSpc>
-              <a:spcPct val="100000"/>
-            </a:lnSpc>
-            <a:defRPr cap="all"/>
-          </a:pPr>
-          <a:r>
-            <a:rPr lang="ru-RU"/>
-            <a:t>Объекты в проекте располагались не очень организованно, но исправить это было легко</a:t>
-          </a:r>
-          <a:endParaRPr lang="en-US"/>
-        </a:p>
-      </dgm:t>
-    </dgm:pt>
-    <dgm:pt modelId="{33BEF038-9C58-49D2-9E85-D5606DBB789E}" type="parTrans" cxnId="{6A28C5A6-8DC6-4AC5-84EB-B2B17CEBF246}">
-      <dgm:prSet/>
-      <dgm:spPr/>
-      <dgm:t>
-        <a:bodyPr/>
-        <a:lstStyle/>
-        <a:p>
-          <a:endParaRPr lang="en-US"/>
-        </a:p>
-      </dgm:t>
-    </dgm:pt>
-    <dgm:pt modelId="{2A89BBA5-D26F-4317-8847-10B4532A56B2}" type="sibTrans" cxnId="{6A28C5A6-8DC6-4AC5-84EB-B2B17CEBF246}">
-      <dgm:prSet/>
-      <dgm:spPr/>
-      <dgm:t>
-        <a:bodyPr/>
-        <a:lstStyle/>
-        <a:p>
-          <a:endParaRPr lang="en-US"/>
-        </a:p>
-      </dgm:t>
-    </dgm:pt>
-    <dgm:pt modelId="{DB8C0068-0E59-43DA-B20E-92738835850A}">
-      <dgm:prSet/>
-      <dgm:spPr/>
-      <dgm:t>
-        <a:bodyPr/>
-        <a:lstStyle/>
-        <a:p>
-          <a:pPr>
-            <a:lnSpc>
-              <a:spcPct val="100000"/>
-            </a:lnSpc>
-            <a:defRPr cap="all"/>
-          </a:pPr>
-          <a:r>
-            <a:rPr lang="ru-RU"/>
-            <a:t>БД:</a:t>
-          </a:r>
-        </a:p>
-        <a:p>
-          <a:pPr>
-            <a:lnSpc>
-              <a:spcPct val="100000"/>
-            </a:lnSpc>
-            <a:defRPr cap="all"/>
-          </a:pPr>
-          <a:r>
-            <a:rPr lang="ru-RU"/>
-            <a:t>База была проста и состояла из нескольких несвязанных таблиц, но большего на тот момент сайту было и ненужно</a:t>
-          </a:r>
-          <a:endParaRPr lang="en-US"/>
-        </a:p>
-      </dgm:t>
-    </dgm:pt>
-    <dgm:pt modelId="{57C90B42-D96E-4F25-AF9A-514D628E4180}" type="parTrans" cxnId="{33D9658D-0733-4F29-BD38-8F88F6B1361E}">
-      <dgm:prSet/>
-      <dgm:spPr/>
-      <dgm:t>
-        <a:bodyPr/>
-        <a:lstStyle/>
-        <a:p>
-          <a:endParaRPr lang="en-US"/>
-        </a:p>
-      </dgm:t>
-    </dgm:pt>
-    <dgm:pt modelId="{358F4C1B-A83C-4A04-8851-2D3ED8D8A763}" type="sibTrans" cxnId="{33D9658D-0733-4F29-BD38-8F88F6B1361E}">
-      <dgm:prSet/>
-      <dgm:spPr/>
-      <dgm:t>
-        <a:bodyPr/>
-        <a:lstStyle/>
-        <a:p>
-          <a:endParaRPr lang="en-US"/>
-        </a:p>
-      </dgm:t>
-    </dgm:pt>
-    <dgm:pt modelId="{FCCA3124-7D87-4F9D-9657-CAE50ADBB2D7}" type="pres">
-      <dgm:prSet presAssocID="{5B9740F9-0ECE-486C-8150-2BFBE7F5C143}" presName="root" presStyleCnt="0">
-        <dgm:presLayoutVars>
-          <dgm:dir/>
-          <dgm:resizeHandles val="exact"/>
-        </dgm:presLayoutVars>
-      </dgm:prSet>
-      <dgm:spPr/>
-    </dgm:pt>
-    <dgm:pt modelId="{30C5D5F1-39F5-4C4F-965E-0A209F0BD664}" type="pres">
-      <dgm:prSet presAssocID="{22F23BA1-D6F0-4A8C-9D82-DF06D37156A5}" presName="compNode" presStyleCnt="0"/>
-      <dgm:spPr/>
-    </dgm:pt>
-    <dgm:pt modelId="{9A68833F-2C24-4216-BA40-7D0026BC7CED}" type="pres">
-      <dgm:prSet presAssocID="{22F23BA1-D6F0-4A8C-9D82-DF06D37156A5}" presName="iconBgRect" presStyleLbl="bgShp" presStyleIdx="0" presStyleCnt="2"/>
-      <dgm:spPr/>
-    </dgm:pt>
-    <dgm:pt modelId="{7DBE637C-285C-420D-BF8F-BB9C69C66B69}" type="pres">
-      <dgm:prSet presAssocID="{22F23BA1-D6F0-4A8C-9D82-DF06D37156A5}" presName="iconRect" presStyleLbl="node1" presStyleIdx="0" presStyleCnt="2"/>
-      <dgm:spPr>
-        <a:blipFill>
-          <a:blip xmlns:r="http://schemas.openxmlformats.org/officeDocument/2006/relationships" r:embed="rId1">
-            <a:extLst>
-              <a:ext uri="{96DAC541-7B7A-43D3-8B79-37D633B846F1}">
-                <asvg:svgBlip xmlns:asvg="http://schemas.microsoft.com/office/drawing/2016/SVG/main" r:embed="rId2"/>
-              </a:ext>
-            </a:extLst>
-          </a:blip>
-          <a:srcRect/>
-          <a:stretch>
-            <a:fillRect/>
-          </a:stretch>
-        </a:blipFill>
-        <a:ln>
-          <a:noFill/>
-        </a:ln>
-      </dgm:spPr>
-      <dgm:extLst>
-        <a:ext uri="{E40237B7-FDA0-4F09-8148-C483321AD2D9}">
-          <dgm14:cNvPr xmlns:dgm14="http://schemas.microsoft.com/office/drawing/2010/diagram" id="0" name="" descr="Книги"/>
-        </a:ext>
-      </dgm:extLst>
-    </dgm:pt>
-    <dgm:pt modelId="{DEF149D5-7010-4655-AFC3-D61259D041AB}" type="pres">
-      <dgm:prSet presAssocID="{22F23BA1-D6F0-4A8C-9D82-DF06D37156A5}" presName="spaceRect" presStyleCnt="0"/>
-      <dgm:spPr/>
-    </dgm:pt>
-    <dgm:pt modelId="{D0D737BE-D612-4BD1-9E50-2BF952EF2558}" type="pres">
-      <dgm:prSet presAssocID="{22F23BA1-D6F0-4A8C-9D82-DF06D37156A5}" presName="textRect" presStyleLbl="revTx" presStyleIdx="0" presStyleCnt="2">
-        <dgm:presLayoutVars>
-          <dgm:chMax val="1"/>
-          <dgm:chPref val="1"/>
-        </dgm:presLayoutVars>
-      </dgm:prSet>
-      <dgm:spPr/>
-    </dgm:pt>
-    <dgm:pt modelId="{1E3CF3FA-7A20-4518-AAC8-52982D885916}" type="pres">
-      <dgm:prSet presAssocID="{2A89BBA5-D26F-4317-8847-10B4532A56B2}" presName="sibTrans" presStyleCnt="0"/>
-      <dgm:spPr/>
-    </dgm:pt>
-    <dgm:pt modelId="{DB039E8D-A3CA-426C-BDC4-45DFECAD8BC1}" type="pres">
-      <dgm:prSet presAssocID="{DB8C0068-0E59-43DA-B20E-92738835850A}" presName="compNode" presStyleCnt="0"/>
-      <dgm:spPr/>
-    </dgm:pt>
-    <dgm:pt modelId="{8994A5D2-EB30-4B66-BABC-EC3EFD6707B8}" type="pres">
-      <dgm:prSet presAssocID="{DB8C0068-0E59-43DA-B20E-92738835850A}" presName="iconBgRect" presStyleLbl="bgShp" presStyleIdx="1" presStyleCnt="2"/>
-      <dgm:spPr/>
-    </dgm:pt>
-    <dgm:pt modelId="{6E9EB25E-D4D2-4491-A498-758BF55265D3}" type="pres">
-      <dgm:prSet presAssocID="{DB8C0068-0E59-43DA-B20E-92738835850A}" presName="iconRect" presStyleLbl="node1" presStyleIdx="1" presStyleCnt="2"/>
-      <dgm:spPr>
-        <a:blipFill>
-          <a:blip xmlns:r="http://schemas.openxmlformats.org/officeDocument/2006/relationships" r:embed="rId3">
-            <a:extLst>
-              <a:ext uri="{28A0092B-C50C-407E-A947-70E740481C1C}">
-                <a14:useLocalDpi xmlns:a14="http://schemas.microsoft.com/office/drawing/2010/main" val="0"/>
-              </a:ext>
-              <a:ext uri="{96DAC541-7B7A-43D3-8B79-37D633B846F1}">
-                <asvg:svgBlip xmlns:asvg="http://schemas.microsoft.com/office/drawing/2016/SVG/main" r:embed="rId4"/>
-              </a:ext>
-            </a:extLst>
-          </a:blip>
-          <a:srcRect/>
-          <a:stretch>
-            <a:fillRect/>
-          </a:stretch>
-        </a:blipFill>
-        <a:ln>
-          <a:noFill/>
-        </a:ln>
-      </dgm:spPr>
-      <dgm:extLst>
-        <a:ext uri="{E40237B7-FDA0-4F09-8148-C483321AD2D9}">
-          <dgm14:cNvPr xmlns:dgm14="http://schemas.microsoft.com/office/drawing/2010/diagram" id="0" name="" descr="База данных"/>
-        </a:ext>
-      </dgm:extLst>
-    </dgm:pt>
-    <dgm:pt modelId="{B9D37A85-1900-466D-BAD9-EA928F2E5B5C}" type="pres">
-      <dgm:prSet presAssocID="{DB8C0068-0E59-43DA-B20E-92738835850A}" presName="spaceRect" presStyleCnt="0"/>
-      <dgm:spPr/>
-    </dgm:pt>
-    <dgm:pt modelId="{5FE59850-A3EF-4F6D-BD46-A39F3E37C9DE}" type="pres">
-      <dgm:prSet presAssocID="{DB8C0068-0E59-43DA-B20E-92738835850A}" presName="textRect" presStyleLbl="revTx" presStyleIdx="1" presStyleCnt="2">
-        <dgm:presLayoutVars>
-          <dgm:chMax val="1"/>
-          <dgm:chPref val="1"/>
-        </dgm:presLayoutVars>
-      </dgm:prSet>
-      <dgm:spPr/>
-    </dgm:pt>
-  </dgm:ptLst>
-  <dgm:cxnLst>
-    <dgm:cxn modelId="{699F8015-C783-4906-8BFC-7D90612C29EE}" type="presOf" srcId="{5B9740F9-0ECE-486C-8150-2BFBE7F5C143}" destId="{FCCA3124-7D87-4F9D-9657-CAE50ADBB2D7}" srcOrd="0" destOrd="0" presId="urn:microsoft.com/office/officeart/2018/5/layout/IconCircleLabelList"/>
-    <dgm:cxn modelId="{1FD9DA5F-36C6-4EBE-BAC2-5811E66EEDB4}" type="presOf" srcId="{22F23BA1-D6F0-4A8C-9D82-DF06D37156A5}" destId="{D0D737BE-D612-4BD1-9E50-2BF952EF2558}" srcOrd="0" destOrd="0" presId="urn:microsoft.com/office/officeart/2018/5/layout/IconCircleLabelList"/>
-    <dgm:cxn modelId="{33D9658D-0733-4F29-BD38-8F88F6B1361E}" srcId="{5B9740F9-0ECE-486C-8150-2BFBE7F5C143}" destId="{DB8C0068-0E59-43DA-B20E-92738835850A}" srcOrd="1" destOrd="0" parTransId="{57C90B42-D96E-4F25-AF9A-514D628E4180}" sibTransId="{358F4C1B-A83C-4A04-8851-2D3ED8D8A763}"/>
-    <dgm:cxn modelId="{6A28C5A6-8DC6-4AC5-84EB-B2B17CEBF246}" srcId="{5B9740F9-0ECE-486C-8150-2BFBE7F5C143}" destId="{22F23BA1-D6F0-4A8C-9D82-DF06D37156A5}" srcOrd="0" destOrd="0" parTransId="{33BEF038-9C58-49D2-9E85-D5606DBB789E}" sibTransId="{2A89BBA5-D26F-4317-8847-10B4532A56B2}"/>
-    <dgm:cxn modelId="{BE0007F7-B9DA-447C-BDDE-E68A130A71F1}" type="presOf" srcId="{DB8C0068-0E59-43DA-B20E-92738835850A}" destId="{5FE59850-A3EF-4F6D-BD46-A39F3E37C9DE}" srcOrd="0" destOrd="0" presId="urn:microsoft.com/office/officeart/2018/5/layout/IconCircleLabelList"/>
-    <dgm:cxn modelId="{D9F41C41-CCAA-4AED-BB93-3A3CC884DF71}" type="presParOf" srcId="{FCCA3124-7D87-4F9D-9657-CAE50ADBB2D7}" destId="{30C5D5F1-39F5-4C4F-965E-0A209F0BD664}" srcOrd="0" destOrd="0" presId="urn:microsoft.com/office/officeart/2018/5/layout/IconCircleLabelList"/>
-    <dgm:cxn modelId="{3E80B456-FCA4-4D53-826D-22FE0A409C5C}" type="presParOf" srcId="{30C5D5F1-39F5-4C4F-965E-0A209F0BD664}" destId="{9A68833F-2C24-4216-BA40-7D0026BC7CED}" srcOrd="0" destOrd="0" presId="urn:microsoft.com/office/officeart/2018/5/layout/IconCircleLabelList"/>
-    <dgm:cxn modelId="{BF70990C-CA1C-4F09-8883-8940DF48D3A9}" type="presParOf" srcId="{30C5D5F1-39F5-4C4F-965E-0A209F0BD664}" destId="{7DBE637C-285C-420D-BF8F-BB9C69C66B69}" srcOrd="1" destOrd="0" presId="urn:microsoft.com/office/officeart/2018/5/layout/IconCircleLabelList"/>
-    <dgm:cxn modelId="{F94EC6A4-88BE-493B-A4C4-54A7D76CDA1E}" type="presParOf" srcId="{30C5D5F1-39F5-4C4F-965E-0A209F0BD664}" destId="{DEF149D5-7010-4655-AFC3-D61259D041AB}" srcOrd="2" destOrd="0" presId="urn:microsoft.com/office/officeart/2018/5/layout/IconCircleLabelList"/>
-    <dgm:cxn modelId="{C162C00E-6106-45FE-8E5B-C872DFA91E7A}" type="presParOf" srcId="{30C5D5F1-39F5-4C4F-965E-0A209F0BD664}" destId="{D0D737BE-D612-4BD1-9E50-2BF952EF2558}" srcOrd="3" destOrd="0" presId="urn:microsoft.com/office/officeart/2018/5/layout/IconCircleLabelList"/>
-    <dgm:cxn modelId="{B06CE91B-FC2D-4FB2-BD05-9EC7E3B4C2B4}" type="presParOf" srcId="{FCCA3124-7D87-4F9D-9657-CAE50ADBB2D7}" destId="{1E3CF3FA-7A20-4518-AAC8-52982D885916}" srcOrd="1" destOrd="0" presId="urn:microsoft.com/office/officeart/2018/5/layout/IconCircleLabelList"/>
-    <dgm:cxn modelId="{677E9C0B-BCB6-4AB5-A706-A5F208BEC96D}" type="presParOf" srcId="{FCCA3124-7D87-4F9D-9657-CAE50ADBB2D7}" destId="{DB039E8D-A3CA-426C-BDC4-45DFECAD8BC1}" srcOrd="2" destOrd="0" presId="urn:microsoft.com/office/officeart/2018/5/layout/IconCircleLabelList"/>
-    <dgm:cxn modelId="{BBE1807F-F2BE-4852-880D-1E07895671B8}" type="presParOf" srcId="{DB039E8D-A3CA-426C-BDC4-45DFECAD8BC1}" destId="{8994A5D2-EB30-4B66-BABC-EC3EFD6707B8}" srcOrd="0" destOrd="0" presId="urn:microsoft.com/office/officeart/2018/5/layout/IconCircleLabelList"/>
-    <dgm:cxn modelId="{B511E90D-CBA4-4ED0-9661-9A981135F421}" type="presParOf" srcId="{DB039E8D-A3CA-426C-BDC4-45DFECAD8BC1}" destId="{6E9EB25E-D4D2-4491-A498-758BF55265D3}" srcOrd="1" destOrd="0" presId="urn:microsoft.com/office/officeart/2018/5/layout/IconCircleLabelList"/>
-    <dgm:cxn modelId="{F8D06F54-4C12-4104-BD4F-4754F07CDEB9}" type="presParOf" srcId="{DB039E8D-A3CA-426C-BDC4-45DFECAD8BC1}" destId="{B9D37A85-1900-466D-BAD9-EA928F2E5B5C}" srcOrd="2" destOrd="0" presId="urn:microsoft.com/office/officeart/2018/5/layout/IconCircleLabelList"/>
-    <dgm:cxn modelId="{1085929A-47FB-47D6-994E-36855DD1D1AD}" type="presParOf" srcId="{DB039E8D-A3CA-426C-BDC4-45DFECAD8BC1}" destId="{5FE59850-A3EF-4F6D-BD46-A39F3E37C9DE}" srcOrd="3" destOrd="0" presId="urn:microsoft.com/office/officeart/2018/5/layout/IconCircleLabelList"/>
-  </dgm:cxnLst>
-  <dgm:bg/>
-  <dgm:whole/>
-  <dgm:extLst>
-    <a:ext uri="http://schemas.microsoft.com/office/drawing/2008/diagram">
-      <dsp:dataModelExt xmlns:dsp="http://schemas.microsoft.com/office/drawing/2008/diagram" relId="rId6" minVer="http://schemas.openxmlformats.org/drawingml/2006/diagram"/>
-    </a:ext>
-  </dgm:extLst>
-</dgm:dataModel>
-</file>
-
-<file path=ppt/diagrams/data4.xml><?xml version="1.0" encoding="utf-8"?>
 <dgm:dataModel xmlns:dgm="http://schemas.openxmlformats.org/drawingml/2006/diagram" xmlns:a="http://schemas.openxmlformats.org/drawingml/2006/main">
   <dgm:ptLst>
     <dgm:pt modelId="{0AE7FCD1-89FE-4BE8-AE42-91F331065CF8}" type="doc">
@@ -5364,359 +4352,6 @@
       <dsp:cNvGrpSpPr/>
     </dsp:nvGrpSpPr>
     <dsp:grpSpPr/>
-    <dsp:sp modelId="{9A68833F-2C24-4216-BA40-7D0026BC7CED}">
-      <dsp:nvSpPr>
-        <dsp:cNvPr id="0" name=""/>
-        <dsp:cNvSpPr/>
-      </dsp:nvSpPr>
-      <dsp:spPr>
-        <a:xfrm>
-          <a:off x="585671" y="901938"/>
-          <a:ext cx="1818562" cy="1818562"/>
-        </a:xfrm>
-        <a:prstGeom prst="ellipse">
-          <a:avLst/>
-        </a:prstGeom>
-        <a:solidFill>
-          <a:schemeClr val="bg1">
-            <a:lumMod val="95000"/>
-            <a:hueOff val="0"/>
-            <a:satOff val="0"/>
-            <a:lumOff val="0"/>
-            <a:alphaOff val="0"/>
-          </a:schemeClr>
-        </a:solidFill>
-        <a:ln>
-          <a:noFill/>
-        </a:ln>
-        <a:effectLst/>
-      </dsp:spPr>
-      <dsp:style>
-        <a:lnRef idx="0">
-          <a:scrgbClr r="0" g="0" b="0"/>
-        </a:lnRef>
-        <a:fillRef idx="1">
-          <a:scrgbClr r="0" g="0" b="0"/>
-        </a:fillRef>
-        <a:effectRef idx="0">
-          <a:scrgbClr r="0" g="0" b="0"/>
-        </a:effectRef>
-        <a:fontRef idx="minor"/>
-      </dsp:style>
-    </dsp:sp>
-    <dsp:sp modelId="{7DBE637C-285C-420D-BF8F-BB9C69C66B69}">
-      <dsp:nvSpPr>
-        <dsp:cNvPr id="0" name=""/>
-        <dsp:cNvSpPr/>
-      </dsp:nvSpPr>
-      <dsp:spPr>
-        <a:xfrm>
-          <a:off x="973234" y="1289500"/>
-          <a:ext cx="1043437" cy="1043437"/>
-        </a:xfrm>
-        <a:prstGeom prst="rect">
-          <a:avLst/>
-        </a:prstGeom>
-        <a:blipFill>
-          <a:blip xmlns:r="http://schemas.openxmlformats.org/officeDocument/2006/relationships" r:embed="rId1">
-            <a:extLst>
-              <a:ext uri="{96DAC541-7B7A-43D3-8B79-37D633B846F1}">
-                <asvg:svgBlip xmlns:asvg="http://schemas.microsoft.com/office/drawing/2016/SVG/main" r:embed="rId2"/>
-              </a:ext>
-            </a:extLst>
-          </a:blip>
-          <a:srcRect/>
-          <a:stretch>
-            <a:fillRect/>
-          </a:stretch>
-        </a:blipFill>
-        <a:ln w="12700" cap="flat" cmpd="sng" algn="ctr">
-          <a:noFill/>
-          <a:prstDash val="solid"/>
-          <a:miter lim="800000"/>
-        </a:ln>
-        <a:effectLst/>
-      </dsp:spPr>
-      <dsp:style>
-        <a:lnRef idx="2">
-          <a:scrgbClr r="0" g="0" b="0"/>
-        </a:lnRef>
-        <a:fillRef idx="1">
-          <a:scrgbClr r="0" g="0" b="0"/>
-        </a:fillRef>
-        <a:effectRef idx="0">
-          <a:scrgbClr r="0" g="0" b="0"/>
-        </a:effectRef>
-        <a:fontRef idx="minor">
-          <a:schemeClr val="lt1"/>
-        </a:fontRef>
-      </dsp:style>
-    </dsp:sp>
-    <dsp:sp modelId="{D0D737BE-D612-4BD1-9E50-2BF952EF2558}">
-      <dsp:nvSpPr>
-        <dsp:cNvPr id="0" name=""/>
-        <dsp:cNvSpPr/>
-      </dsp:nvSpPr>
-      <dsp:spPr>
-        <a:xfrm>
-          <a:off x="4328" y="3286938"/>
-          <a:ext cx="2981250" cy="916523"/>
-        </a:xfrm>
-        <a:prstGeom prst="rect">
-          <a:avLst/>
-        </a:prstGeom>
-        <a:noFill/>
-        <a:ln>
-          <a:noFill/>
-        </a:ln>
-        <a:effectLst/>
-      </dsp:spPr>
-      <dsp:style>
-        <a:lnRef idx="0">
-          <a:scrgbClr r="0" g="0" b="0"/>
-        </a:lnRef>
-        <a:fillRef idx="0">
-          <a:scrgbClr r="0" g="0" b="0"/>
-        </a:fillRef>
-        <a:effectRef idx="0">
-          <a:scrgbClr r="0" g="0" b="0"/>
-        </a:effectRef>
-        <a:fontRef idx="minor"/>
-      </dsp:style>
-      <dsp:txBody>
-        <a:bodyPr spcFirstLastPara="0" vert="horz" wrap="square" lIns="0" tIns="0" rIns="0" bIns="0" numCol="1" spcCol="1270" anchor="t" anchorCtr="0">
-          <a:noAutofit/>
-        </a:bodyPr>
-        <a:lstStyle/>
-        <a:p>
-          <a:pPr marL="0" lvl="0" indent="0" algn="ctr" defTabSz="488950">
-            <a:lnSpc>
-              <a:spcPct val="100000"/>
-            </a:lnSpc>
-            <a:spcBef>
-              <a:spcPct val="0"/>
-            </a:spcBef>
-            <a:spcAft>
-              <a:spcPct val="35000"/>
-            </a:spcAft>
-            <a:buNone/>
-            <a:defRPr cap="all"/>
-          </a:pPr>
-          <a:r>
-            <a:rPr lang="ru-RU" sz="1100" kern="1200"/>
-            <a:t>Архитектура:</a:t>
-          </a:r>
-        </a:p>
-        <a:p>
-          <a:pPr marL="0" lvl="0" indent="0" algn="ctr" defTabSz="488950">
-            <a:lnSpc>
-              <a:spcPct val="100000"/>
-            </a:lnSpc>
-            <a:spcBef>
-              <a:spcPct val="0"/>
-            </a:spcBef>
-            <a:spcAft>
-              <a:spcPct val="35000"/>
-            </a:spcAft>
-            <a:buNone/>
-            <a:defRPr cap="all"/>
-          </a:pPr>
-          <a:r>
-            <a:rPr lang="ru-RU" sz="1100" kern="1200"/>
-            <a:t>Объекты в проекте располагались не очень организованно, но исправить это было легко</a:t>
-          </a:r>
-          <a:endParaRPr lang="en-US" sz="1100" kern="1200"/>
-        </a:p>
-      </dsp:txBody>
-      <dsp:txXfrm>
-        <a:off x="4328" y="3286938"/>
-        <a:ext cx="2981250" cy="916523"/>
-      </dsp:txXfrm>
-    </dsp:sp>
-    <dsp:sp modelId="{8994A5D2-EB30-4B66-BABC-EC3EFD6707B8}">
-      <dsp:nvSpPr>
-        <dsp:cNvPr id="0" name=""/>
-        <dsp:cNvSpPr/>
-      </dsp:nvSpPr>
-      <dsp:spPr>
-        <a:xfrm>
-          <a:off x="4088640" y="901938"/>
-          <a:ext cx="1818562" cy="1818562"/>
-        </a:xfrm>
-        <a:prstGeom prst="ellipse">
-          <a:avLst/>
-        </a:prstGeom>
-        <a:solidFill>
-          <a:schemeClr val="bg1">
-            <a:lumMod val="95000"/>
-            <a:hueOff val="0"/>
-            <a:satOff val="0"/>
-            <a:lumOff val="0"/>
-            <a:alphaOff val="0"/>
-          </a:schemeClr>
-        </a:solidFill>
-        <a:ln>
-          <a:noFill/>
-        </a:ln>
-        <a:effectLst/>
-      </dsp:spPr>
-      <dsp:style>
-        <a:lnRef idx="0">
-          <a:scrgbClr r="0" g="0" b="0"/>
-        </a:lnRef>
-        <a:fillRef idx="1">
-          <a:scrgbClr r="0" g="0" b="0"/>
-        </a:fillRef>
-        <a:effectRef idx="0">
-          <a:scrgbClr r="0" g="0" b="0"/>
-        </a:effectRef>
-        <a:fontRef idx="minor"/>
-      </dsp:style>
-    </dsp:sp>
-    <dsp:sp modelId="{6E9EB25E-D4D2-4491-A498-758BF55265D3}">
-      <dsp:nvSpPr>
-        <dsp:cNvPr id="0" name=""/>
-        <dsp:cNvSpPr/>
-      </dsp:nvSpPr>
-      <dsp:spPr>
-        <a:xfrm>
-          <a:off x="4476203" y="1289500"/>
-          <a:ext cx="1043437" cy="1043437"/>
-        </a:xfrm>
-        <a:prstGeom prst="rect">
-          <a:avLst/>
-        </a:prstGeom>
-        <a:blipFill>
-          <a:blip xmlns:r="http://schemas.openxmlformats.org/officeDocument/2006/relationships" r:embed="rId3">
-            <a:extLst>
-              <a:ext uri="{28A0092B-C50C-407E-A947-70E740481C1C}">
-                <a14:useLocalDpi xmlns:a14="http://schemas.microsoft.com/office/drawing/2010/main" val="0"/>
-              </a:ext>
-              <a:ext uri="{96DAC541-7B7A-43D3-8B79-37D633B846F1}">
-                <asvg:svgBlip xmlns:asvg="http://schemas.microsoft.com/office/drawing/2016/SVG/main" r:embed="rId4"/>
-              </a:ext>
-            </a:extLst>
-          </a:blip>
-          <a:srcRect/>
-          <a:stretch>
-            <a:fillRect/>
-          </a:stretch>
-        </a:blipFill>
-        <a:ln w="12700" cap="flat" cmpd="sng" algn="ctr">
-          <a:noFill/>
-          <a:prstDash val="solid"/>
-          <a:miter lim="800000"/>
-        </a:ln>
-        <a:effectLst/>
-      </dsp:spPr>
-      <dsp:style>
-        <a:lnRef idx="2">
-          <a:scrgbClr r="0" g="0" b="0"/>
-        </a:lnRef>
-        <a:fillRef idx="1">
-          <a:scrgbClr r="0" g="0" b="0"/>
-        </a:fillRef>
-        <a:effectRef idx="0">
-          <a:scrgbClr r="0" g="0" b="0"/>
-        </a:effectRef>
-        <a:fontRef idx="minor">
-          <a:schemeClr val="lt1"/>
-        </a:fontRef>
-      </dsp:style>
-    </dsp:sp>
-    <dsp:sp modelId="{5FE59850-A3EF-4F6D-BD46-A39F3E37C9DE}">
-      <dsp:nvSpPr>
-        <dsp:cNvPr id="0" name=""/>
-        <dsp:cNvSpPr/>
-      </dsp:nvSpPr>
-      <dsp:spPr>
-        <a:xfrm>
-          <a:off x="3507296" y="3286938"/>
-          <a:ext cx="2981250" cy="916523"/>
-        </a:xfrm>
-        <a:prstGeom prst="rect">
-          <a:avLst/>
-        </a:prstGeom>
-        <a:noFill/>
-        <a:ln>
-          <a:noFill/>
-        </a:ln>
-        <a:effectLst/>
-      </dsp:spPr>
-      <dsp:style>
-        <a:lnRef idx="0">
-          <a:scrgbClr r="0" g="0" b="0"/>
-        </a:lnRef>
-        <a:fillRef idx="0">
-          <a:scrgbClr r="0" g="0" b="0"/>
-        </a:fillRef>
-        <a:effectRef idx="0">
-          <a:scrgbClr r="0" g="0" b="0"/>
-        </a:effectRef>
-        <a:fontRef idx="minor"/>
-      </dsp:style>
-      <dsp:txBody>
-        <a:bodyPr spcFirstLastPara="0" vert="horz" wrap="square" lIns="0" tIns="0" rIns="0" bIns="0" numCol="1" spcCol="1270" anchor="t" anchorCtr="0">
-          <a:noAutofit/>
-        </a:bodyPr>
-        <a:lstStyle/>
-        <a:p>
-          <a:pPr marL="0" lvl="0" indent="0" algn="ctr" defTabSz="488950">
-            <a:lnSpc>
-              <a:spcPct val="100000"/>
-            </a:lnSpc>
-            <a:spcBef>
-              <a:spcPct val="0"/>
-            </a:spcBef>
-            <a:spcAft>
-              <a:spcPct val="35000"/>
-            </a:spcAft>
-            <a:buNone/>
-            <a:defRPr cap="all"/>
-          </a:pPr>
-          <a:r>
-            <a:rPr lang="ru-RU" sz="1100" kern="1200"/>
-            <a:t>БД:</a:t>
-          </a:r>
-        </a:p>
-        <a:p>
-          <a:pPr marL="0" lvl="0" indent="0" algn="ctr" defTabSz="488950">
-            <a:lnSpc>
-              <a:spcPct val="100000"/>
-            </a:lnSpc>
-            <a:spcBef>
-              <a:spcPct val="0"/>
-            </a:spcBef>
-            <a:spcAft>
-              <a:spcPct val="35000"/>
-            </a:spcAft>
-            <a:buNone/>
-            <a:defRPr cap="all"/>
-          </a:pPr>
-          <a:r>
-            <a:rPr lang="ru-RU" sz="1100" kern="1200"/>
-            <a:t>База была проста и состояла из нескольких несвязанных таблиц, но большего на тот момент сайту было и ненужно</a:t>
-          </a:r>
-          <a:endParaRPr lang="en-US" sz="1100" kern="1200"/>
-        </a:p>
-      </dsp:txBody>
-      <dsp:txXfrm>
-        <a:off x="3507296" y="3286938"/>
-        <a:ext cx="2981250" cy="916523"/>
-      </dsp:txXfrm>
-    </dsp:sp>
-  </dsp:spTree>
-</dsp:drawing>
-</file>
-
-<file path=ppt/diagrams/drawing4.xml><?xml version="1.0" encoding="utf-8"?>
-<dsp:drawing xmlns:dgm="http://schemas.openxmlformats.org/drawingml/2006/diagram" xmlns:dsp="http://schemas.microsoft.com/office/drawing/2008/diagram" xmlns:a="http://schemas.openxmlformats.org/drawingml/2006/main">
-  <dsp:spTree>
-    <dsp:nvGrpSpPr>
-      <dsp:cNvPr id="0" name=""/>
-      <dsp:cNvGrpSpPr/>
-    </dsp:nvGrpSpPr>
-    <dsp:grpSpPr/>
     <dsp:sp modelId="{580957FA-8E06-437C-B793-B8376F7D2B71}">
       <dsp:nvSpPr>
         <dsp:cNvPr id="0" name=""/>
@@ -6778,221 +5413,6 @@
 </file>
 
 <file path=ppt/diagrams/layout3.xml><?xml version="1.0" encoding="utf-8"?>
-<dgm:layoutDef xmlns:dgm="http://schemas.openxmlformats.org/drawingml/2006/diagram" xmlns:a="http://schemas.openxmlformats.org/drawingml/2006/main" uniqueId="urn:microsoft.com/office/officeart/2018/5/layout/IconCircleLabelList">
-  <dgm:title val="Icon Circle Label List"/>
-  <dgm:desc val="Use to show non-sequential or grouped chunks of information accompanied by a related visuals. Works best with icons or small pictures with short text captions."/>
-  <dgm:catLst>
-    <dgm:cat type="icon" pri="500"/>
-  </dgm:catLst>
-  <dgm:sampData useDef="1">
-    <dgm:dataModel>
-      <dgm:ptLst/>
-      <dgm:bg/>
-      <dgm:whole/>
-    </dgm:dataModel>
-  </dgm:sampData>
-  <dgm:styleData useDef="1">
-    <dgm:dataModel>
-      <dgm:ptLst/>
-      <dgm:bg/>
-      <dgm:whole/>
-    </dgm:dataModel>
-  </dgm:styleData>
-  <dgm:clrData useDef="1">
-    <dgm:dataModel>
-      <dgm:ptLst/>
-      <dgm:bg/>
-      <dgm:whole/>
-    </dgm:dataModel>
-  </dgm:clrData>
-  <dgm:layoutNode name="root">
-    <dgm:varLst>
-      <dgm:dir/>
-      <dgm:resizeHandles val="exact"/>
-    </dgm:varLst>
-    <dgm:choose name="Name0">
-      <dgm:if name="Name1" axis="self" func="var" arg="dir" op="equ" val="norm">
-        <dgm:alg type="snake">
-          <dgm:param type="grDir" val="tL"/>
-          <dgm:param type="flowDir" val="row"/>
-          <dgm:param type="contDir" val="sameDir"/>
-          <dgm:param type="off" val="ctr"/>
-          <dgm:param type="vertAlign" val="mid"/>
-          <dgm:param type="horzAlign" val="ctr"/>
-        </dgm:alg>
-      </dgm:if>
-      <dgm:else name="Name2">
-        <dgm:alg type="snake">
-          <dgm:param type="grDir" val="tR"/>
-          <dgm:param type="flowDir" val="row"/>
-          <dgm:param type="contDir" val="sameDir"/>
-          <dgm:param type="off" val="ctr"/>
-          <dgm:param type="vertAlign" val="mid"/>
-          <dgm:param type="horzAlign" val="ctr"/>
-        </dgm:alg>
-      </dgm:else>
-    </dgm:choose>
-    <dgm:shape xmlns:r="http://schemas.openxmlformats.org/officeDocument/2006/relationships" r:blip="">
-      <dgm:adjLst/>
-    </dgm:shape>
-    <dgm:presOf/>
-    <dgm:choose name="Name3">
-      <dgm:if name="Name4" axis="ch" ptType="node" func="cnt" op="lte" val="2">
-        <dgm:constrLst>
-          <dgm:constr type="h" for="ch" forName="compNode" refType="h" fact="0.4"/>
-          <dgm:constr type="w" for="ch" forName="compNode" val="100"/>
-          <dgm:constr type="w" for="ch" forName="sibTrans" refType="w" refFor="ch" refForName="compNode" fact="0.175"/>
-          <dgm:constr type="sp" refType="w" refFor="ch" refForName="compNode" op="equ" fact="0.25"/>
-          <dgm:constr type="primFontSz" for="des" ptType="node" op="equ" val="44"/>
-          <dgm:constr type="h" for="des" forName="compNode" op="equ"/>
-          <dgm:constr type="h" for="des" forName="textRect" op="equ"/>
-        </dgm:constrLst>
-      </dgm:if>
-      <dgm:if name="Name5" axis="ch" ptType="node" func="cnt" op="lte" val="3">
-        <dgm:constrLst>
-          <dgm:constr type="h" for="ch" forName="compNode" refType="h" fact="0.4"/>
-          <dgm:constr type="w" for="ch" forName="compNode" val="100"/>
-          <dgm:constr type="w" for="ch" forName="sibTrans" refType="w" refFor="ch" refForName="compNode" fact="0.175"/>
-          <dgm:constr type="sp" refType="w" refFor="ch" refForName="compNode" op="equ" fact="0.25"/>
-          <dgm:constr type="primFontSz" for="des" ptType="node" op="equ" val="40"/>
-          <dgm:constr type="h" for="des" forName="compNode" op="equ"/>
-          <dgm:constr type="h" for="des" forName="textRect" op="equ"/>
-        </dgm:constrLst>
-      </dgm:if>
-      <dgm:if name="Name6" axis="ch" ptType="node" func="cnt" op="lte" val="4">
-        <dgm:constrLst>
-          <dgm:constr type="h" for="ch" forName="compNode" refType="h" fact="0.4"/>
-          <dgm:constr type="w" for="ch" forName="compNode" refType="w"/>
-          <dgm:constr type="w" for="ch" forName="sibTrans" refType="w" refFor="ch" refForName="compNode" fact="0.175"/>
-          <dgm:constr type="sp" refType="w" refFor="ch" refForName="compNode" op="equ" fact="0.25"/>
-          <dgm:constr type="primFontSz" for="des" ptType="node" op="equ" val="32"/>
-          <dgm:constr type="h" for="des" forName="compNode" op="equ"/>
-          <dgm:constr type="h" for="des" forName="textRect" op="equ"/>
-        </dgm:constrLst>
-      </dgm:if>
-      <dgm:else name="Name7">
-        <dgm:constrLst>
-          <dgm:constr type="h" for="ch" forName="compNode" refType="h" fact="0.4"/>
-          <dgm:constr type="w" for="ch" forName="compNode" refType="w"/>
-          <dgm:constr type="w" for="ch" forName="sibTrans" refType="w" refFor="ch" refForName="compNode" fact="0.175"/>
-          <dgm:constr type="sp" refType="w" refFor="ch" refForName="compNode" op="equ" fact="0.25"/>
-          <dgm:constr type="primFontSz" for="des" ptType="node" op="equ" val="24"/>
-          <dgm:constr type="h" for="des" forName="compNode" op="equ"/>
-          <dgm:constr type="h" for="des" forName="textRect" op="equ"/>
-        </dgm:constrLst>
-      </dgm:else>
-    </dgm:choose>
-    <dgm:ruleLst>
-      <dgm:rule type="w" for="ch" forName="compNode" val="50" fact="NaN" max="NaN"/>
-    </dgm:ruleLst>
-    <dgm:forEach name="Name8" axis="ch" ptType="node">
-      <dgm:layoutNode name="compNode">
-        <dgm:alg type="composite"/>
-        <dgm:shape xmlns:r="http://schemas.openxmlformats.org/officeDocument/2006/relationships" r:blip="">
-          <dgm:adjLst/>
-        </dgm:shape>
-        <dgm:presOf axis="self"/>
-        <dgm:constrLst>
-          <dgm:constr type="w" for="ch" forName="iconBgRect" refType="w" fact="0.61"/>
-          <dgm:constr type="h" for="ch" forName="iconBgRect" refType="w" refFor="ch" refForName="iconBgRect"/>
-          <dgm:constr type="t" for="ch" forName="iconBgRect"/>
-          <dgm:constr type="ctrX" for="ch" forName="iconBgRect" refType="w" fact="0.5"/>
-          <dgm:constr type="w" for="ch" forName="iconRect" refType="w" fact="0.35"/>
-          <dgm:constr type="h" for="ch" forName="iconRect" refType="w" refFor="ch" refForName="iconRect"/>
-          <dgm:constr type="ctrX" for="ch" forName="iconRect" refType="ctrX" refFor="ch" refForName="iconBgRect"/>
-          <dgm:constr type="ctrY" for="ch" forName="iconRect" refType="ctrY" refFor="ch" refForName="iconBgRect"/>
-          <dgm:constr type="h" for="ch" forName="spaceRect" refType="w" fact="0.19"/>
-          <dgm:constr type="w" for="ch" forName="spaceRect" refType="w"/>
-          <dgm:constr type="l" for="ch" forName="spaceRect"/>
-          <dgm:constr type="t" for="ch" forName="spaceRect" refType="b" refFor="ch" refForName="iconBgRect"/>
-          <dgm:constr type="h" for="ch" forName="textRect" val="20"/>
-          <dgm:constr type="w" for="ch" forName="textRect" refType="w"/>
-          <dgm:constr type="l" for="ch" forName="textRect"/>
-          <dgm:constr type="t" for="ch" forName="textRect" refType="b" refFor="ch" refForName="spaceRect"/>
-        </dgm:constrLst>
-        <dgm:ruleLst>
-          <dgm:rule type="h" val="INF" fact="NaN" max="NaN"/>
-        </dgm:ruleLst>
-        <dgm:layoutNode name="iconBgRect" styleLbl="bgShp">
-          <dgm:alg type="sp"/>
-          <dgm:shape xmlns:r="http://schemas.openxmlformats.org/officeDocument/2006/relationships" type="ellipse" r:blip="">
-            <dgm:adjLst/>
-          </dgm:shape>
-          <dgm:presOf/>
-          <dgm:constrLst/>
-          <dgm:ruleLst/>
-        </dgm:layoutNode>
-        <dgm:layoutNode name="iconRect" styleLbl="node1">
-          <dgm:alg type="sp"/>
-          <dgm:shape xmlns:r="http://schemas.openxmlformats.org/officeDocument/2006/relationships" type="rect" r:blip="" blipPhldr="1">
-            <dgm:adjLst/>
-          </dgm:shape>
-          <dgm:presOf/>
-          <dgm:constrLst/>
-          <dgm:ruleLst/>
-        </dgm:layoutNode>
-        <dgm:layoutNode name="spaceRect">
-          <dgm:alg type="sp"/>
-          <dgm:shape xmlns:r="http://schemas.openxmlformats.org/officeDocument/2006/relationships" r:blip="">
-            <dgm:adjLst/>
-          </dgm:shape>
-          <dgm:presOf/>
-          <dgm:constrLst/>
-          <dgm:ruleLst/>
-        </dgm:layoutNode>
-        <dgm:layoutNode name="textRect" styleLbl="revTx">
-          <dgm:varLst>
-            <dgm:chMax val="1"/>
-            <dgm:chPref val="1"/>
-          </dgm:varLst>
-          <dgm:alg type="tx">
-            <dgm:param type="txAnchorVert" val="t"/>
-          </dgm:alg>
-          <dgm:shape xmlns:r="http://schemas.openxmlformats.org/officeDocument/2006/relationships" type="rect" r:blip="">
-            <dgm:adjLst/>
-          </dgm:shape>
-          <dgm:presOf axis="self" ptType="node"/>
-          <dgm:constrLst>
-            <dgm:constr type="lMarg"/>
-            <dgm:constr type="rMarg"/>
-            <dgm:constr type="tMarg"/>
-            <dgm:constr type="bMarg"/>
-          </dgm:constrLst>
-          <dgm:ruleLst>
-            <dgm:rule type="primFontSz" val="11" fact="NaN" max="NaN"/>
-            <dgm:rule type="h" val="INF" fact="NaN" max="NaN"/>
-          </dgm:ruleLst>
-        </dgm:layoutNode>
-      </dgm:layoutNode>
-      <dgm:forEach name="Name9" axis="followSib" ptType="sibTrans" cnt="1">
-        <dgm:layoutNode name="sibTrans">
-          <dgm:alg type="sp"/>
-          <dgm:shape xmlns:r="http://schemas.openxmlformats.org/officeDocument/2006/relationships" r:blip="">
-            <dgm:adjLst/>
-          </dgm:shape>
-          <dgm:presOf axis="self"/>
-          <dgm:constrLst/>
-          <dgm:ruleLst/>
-        </dgm:layoutNode>
-      </dgm:forEach>
-    </dgm:forEach>
-  </dgm:layoutNode>
-  <dgm:extLst>
-    <a:ext uri="{68A01E43-0DF5-4B5B-8FA6-DAF915123BFB}">
-      <dgm1612:lstStyle xmlns:dgm1612="http://schemas.microsoft.com/office/drawing/2016/12/diagram">
-        <a:lvl1pPr>
-          <a:lnSpc>
-            <a:spcPct val="100000"/>
-          </a:lnSpc>
-          <a:defRPr cap="all"/>
-        </a:lvl1pPr>
-      </dgm1612:lstStyle>
-    </a:ext>
-  </dgm:extLst>
-</dgm:layoutDef>
-</file>
-
-<file path=ppt/diagrams/layout4.xml><?xml version="1.0" encoding="utf-8"?>
 <dgm:layoutDef xmlns:dgm="http://schemas.openxmlformats.org/drawingml/2006/diagram" xmlns:a="http://schemas.openxmlformats.org/drawingml/2006/main" uniqueId="urn:microsoft.com/office/officeart/2018/2/layout/IconVerticalSolidList">
   <dgm:title val="Icon Vertical Solid List"/>
   <dgm:desc val="Use to show a series of visuals from top to bottom with Level 1 or Level 1 and Level 2 text grouped in a shape. Works best with icons or small pictures with lengthier descriptions."/>
@@ -10388,1040 +8808,6 @@
 </dgm:styleDef>
 </file>
 
-<file path=ppt/diagrams/quickStyle4.xml><?xml version="1.0" encoding="utf-8"?>
-<dgm:styleDef xmlns:dgm="http://schemas.openxmlformats.org/drawingml/2006/diagram" xmlns:a="http://schemas.openxmlformats.org/drawingml/2006/main" uniqueId="urn:microsoft.com/office/officeart/2005/8/quickstyle/simple1">
-  <dgm:title val=""/>
-  <dgm:desc val=""/>
-  <dgm:catLst>
-    <dgm:cat type="simple" pri="10100"/>
-  </dgm:catLst>
-  <dgm:scene3d>
-    <a:camera prst="orthographicFront"/>
-    <a:lightRig rig="threePt" dir="t"/>
-  </dgm:scene3d>
-  <dgm:styleLbl name="node0">
-    <dgm:scene3d>
-      <a:camera prst="orthographicFront"/>
-      <a:lightRig rig="threePt" dir="t"/>
-    </dgm:scene3d>
-    <dgm:sp3d/>
-    <dgm:txPr/>
-    <dgm:style>
-      <a:lnRef idx="2">
-        <a:scrgbClr r="0" g="0" b="0"/>
-      </a:lnRef>
-      <a:fillRef idx="1">
-        <a:scrgbClr r="0" g="0" b="0"/>
-      </a:fillRef>
-      <a:effectRef idx="0">
-        <a:scrgbClr r="0" g="0" b="0"/>
-      </a:effectRef>
-      <a:fontRef idx="minor">
-        <a:schemeClr val="lt1"/>
-      </a:fontRef>
-    </dgm:style>
-  </dgm:styleLbl>
-  <dgm:styleLbl name="lnNode1">
-    <dgm:scene3d>
-      <a:camera prst="orthographicFront"/>
-      <a:lightRig rig="threePt" dir="t"/>
-    </dgm:scene3d>
-    <dgm:sp3d/>
-    <dgm:txPr/>
-    <dgm:style>
-      <a:lnRef idx="2">
-        <a:scrgbClr r="0" g="0" b="0"/>
-      </a:lnRef>
-      <a:fillRef idx="1">
-        <a:scrgbClr r="0" g="0" b="0"/>
-      </a:fillRef>
-      <a:effectRef idx="0">
-        <a:scrgbClr r="0" g="0" b="0"/>
-      </a:effectRef>
-      <a:fontRef idx="minor">
-        <a:schemeClr val="lt1"/>
-      </a:fontRef>
-    </dgm:style>
-  </dgm:styleLbl>
-  <dgm:styleLbl name="vennNode1">
-    <dgm:scene3d>
-      <a:camera prst="orthographicFront"/>
-      <a:lightRig rig="threePt" dir="t"/>
-    </dgm:scene3d>
-    <dgm:sp3d/>
-    <dgm:txPr/>
-    <dgm:style>
-      <a:lnRef idx="2">
-        <a:scrgbClr r="0" g="0" b="0"/>
-      </a:lnRef>
-      <a:fillRef idx="1">
-        <a:scrgbClr r="0" g="0" b="0"/>
-      </a:fillRef>
-      <a:effectRef idx="0">
-        <a:scrgbClr r="0" g="0" b="0"/>
-      </a:effectRef>
-      <a:fontRef idx="minor">
-        <a:schemeClr val="tx1"/>
-      </a:fontRef>
-    </dgm:style>
-  </dgm:styleLbl>
-  <dgm:styleLbl name="alignNode1">
-    <dgm:scene3d>
-      <a:camera prst="orthographicFront"/>
-      <a:lightRig rig="threePt" dir="t"/>
-    </dgm:scene3d>
-    <dgm:sp3d/>
-    <dgm:txPr/>
-    <dgm:style>
-      <a:lnRef idx="2">
-        <a:scrgbClr r="0" g="0" b="0"/>
-      </a:lnRef>
-      <a:fillRef idx="1">
-        <a:scrgbClr r="0" g="0" b="0"/>
-      </a:fillRef>
-      <a:effectRef idx="0">
-        <a:scrgbClr r="0" g="0" b="0"/>
-      </a:effectRef>
-      <a:fontRef idx="minor">
-        <a:schemeClr val="lt1"/>
-      </a:fontRef>
-    </dgm:style>
-  </dgm:styleLbl>
-  <dgm:styleLbl name="node1">
-    <dgm:scene3d>
-      <a:camera prst="orthographicFront"/>
-      <a:lightRig rig="threePt" dir="t"/>
-    </dgm:scene3d>
-    <dgm:sp3d/>
-    <dgm:txPr/>
-    <dgm:style>
-      <a:lnRef idx="2">
-        <a:scrgbClr r="0" g="0" b="0"/>
-      </a:lnRef>
-      <a:fillRef idx="1">
-        <a:scrgbClr r="0" g="0" b="0"/>
-      </a:fillRef>
-      <a:effectRef idx="0">
-        <a:scrgbClr r="0" g="0" b="0"/>
-      </a:effectRef>
-      <a:fontRef idx="minor">
-        <a:schemeClr val="lt1"/>
-      </a:fontRef>
-    </dgm:style>
-  </dgm:styleLbl>
-  <dgm:styleLbl name="node2">
-    <dgm:scene3d>
-      <a:camera prst="orthographicFront"/>
-      <a:lightRig rig="threePt" dir="t"/>
-    </dgm:scene3d>
-    <dgm:sp3d/>
-    <dgm:txPr/>
-    <dgm:style>
-      <a:lnRef idx="2">
-        <a:scrgbClr r="0" g="0" b="0"/>
-      </a:lnRef>
-      <a:fillRef idx="1">
-        <a:scrgbClr r="0" g="0" b="0"/>
-      </a:fillRef>
-      <a:effectRef idx="0">
-        <a:scrgbClr r="0" g="0" b="0"/>
-      </a:effectRef>
-      <a:fontRef idx="minor">
-        <a:schemeClr val="lt1"/>
-      </a:fontRef>
-    </dgm:style>
-  </dgm:styleLbl>
-  <dgm:styleLbl name="node3">
-    <dgm:scene3d>
-      <a:camera prst="orthographicFront"/>
-      <a:lightRig rig="threePt" dir="t"/>
-    </dgm:scene3d>
-    <dgm:sp3d/>
-    <dgm:txPr/>
-    <dgm:style>
-      <a:lnRef idx="2">
-        <a:scrgbClr r="0" g="0" b="0"/>
-      </a:lnRef>
-      <a:fillRef idx="1">
-        <a:scrgbClr r="0" g="0" b="0"/>
-      </a:fillRef>
-      <a:effectRef idx="0">
-        <a:scrgbClr r="0" g="0" b="0"/>
-      </a:effectRef>
-      <a:fontRef idx="minor">
-        <a:schemeClr val="lt1"/>
-      </a:fontRef>
-    </dgm:style>
-  </dgm:styleLbl>
-  <dgm:styleLbl name="node4">
-    <dgm:scene3d>
-      <a:camera prst="orthographicFront"/>
-      <a:lightRig rig="threePt" dir="t"/>
-    </dgm:scene3d>
-    <dgm:sp3d/>
-    <dgm:txPr/>
-    <dgm:style>
-      <a:lnRef idx="2">
-        <a:scrgbClr r="0" g="0" b="0"/>
-      </a:lnRef>
-      <a:fillRef idx="1">
-        <a:scrgbClr r="0" g="0" b="0"/>
-      </a:fillRef>
-      <a:effectRef idx="0">
-        <a:scrgbClr r="0" g="0" b="0"/>
-      </a:effectRef>
-      <a:fontRef idx="minor">
-        <a:schemeClr val="lt1"/>
-      </a:fontRef>
-    </dgm:style>
-  </dgm:styleLbl>
-  <dgm:styleLbl name="fgImgPlace1">
-    <dgm:scene3d>
-      <a:camera prst="orthographicFront"/>
-      <a:lightRig rig="threePt" dir="t"/>
-    </dgm:scene3d>
-    <dgm:sp3d/>
-    <dgm:txPr/>
-    <dgm:style>
-      <a:lnRef idx="2">
-        <a:scrgbClr r="0" g="0" b="0"/>
-      </a:lnRef>
-      <a:fillRef idx="1">
-        <a:scrgbClr r="0" g="0" b="0"/>
-      </a:fillRef>
-      <a:effectRef idx="0">
-        <a:scrgbClr r="0" g="0" b="0"/>
-      </a:effectRef>
-      <a:fontRef idx="minor"/>
-    </dgm:style>
-  </dgm:styleLbl>
-  <dgm:styleLbl name="alignImgPlace1">
-    <dgm:scene3d>
-      <a:camera prst="orthographicFront"/>
-      <a:lightRig rig="threePt" dir="t"/>
-    </dgm:scene3d>
-    <dgm:sp3d/>
-    <dgm:txPr/>
-    <dgm:style>
-      <a:lnRef idx="2">
-        <a:scrgbClr r="0" g="0" b="0"/>
-      </a:lnRef>
-      <a:fillRef idx="1">
-        <a:scrgbClr r="0" g="0" b="0"/>
-      </a:fillRef>
-      <a:effectRef idx="0">
-        <a:scrgbClr r="0" g="0" b="0"/>
-      </a:effectRef>
-      <a:fontRef idx="minor"/>
-    </dgm:style>
-  </dgm:styleLbl>
-  <dgm:styleLbl name="bgImgPlace1">
-    <dgm:scene3d>
-      <a:camera prst="orthographicFront"/>
-      <a:lightRig rig="threePt" dir="t"/>
-    </dgm:scene3d>
-    <dgm:sp3d/>
-    <dgm:txPr/>
-    <dgm:style>
-      <a:lnRef idx="2">
-        <a:scrgbClr r="0" g="0" b="0"/>
-      </a:lnRef>
-      <a:fillRef idx="1">
-        <a:scrgbClr r="0" g="0" b="0"/>
-      </a:fillRef>
-      <a:effectRef idx="0">
-        <a:scrgbClr r="0" g="0" b="0"/>
-      </a:effectRef>
-      <a:fontRef idx="minor"/>
-    </dgm:style>
-  </dgm:styleLbl>
-  <dgm:styleLbl name="sibTrans2D1">
-    <dgm:scene3d>
-      <a:camera prst="orthographicFront"/>
-      <a:lightRig rig="threePt" dir="t"/>
-    </dgm:scene3d>
-    <dgm:sp3d/>
-    <dgm:txPr/>
-    <dgm:style>
-      <a:lnRef idx="0">
-        <a:scrgbClr r="0" g="0" b="0"/>
-      </a:lnRef>
-      <a:fillRef idx="1">
-        <a:scrgbClr r="0" g="0" b="0"/>
-      </a:fillRef>
-      <a:effectRef idx="0">
-        <a:scrgbClr r="0" g="0" b="0"/>
-      </a:effectRef>
-      <a:fontRef idx="minor">
-        <a:schemeClr val="lt1"/>
-      </a:fontRef>
-    </dgm:style>
-  </dgm:styleLbl>
-  <dgm:styleLbl name="fgSibTrans2D1">
-    <dgm:scene3d>
-      <a:camera prst="orthographicFront"/>
-      <a:lightRig rig="threePt" dir="t"/>
-    </dgm:scene3d>
-    <dgm:sp3d/>
-    <dgm:txPr/>
-    <dgm:style>
-      <a:lnRef idx="0">
-        <a:scrgbClr r="0" g="0" b="0"/>
-      </a:lnRef>
-      <a:fillRef idx="1">
-        <a:scrgbClr r="0" g="0" b="0"/>
-      </a:fillRef>
-      <a:effectRef idx="0">
-        <a:scrgbClr r="0" g="0" b="0"/>
-      </a:effectRef>
-      <a:fontRef idx="minor">
-        <a:schemeClr val="lt1"/>
-      </a:fontRef>
-    </dgm:style>
-  </dgm:styleLbl>
-  <dgm:styleLbl name="bgSibTrans2D1">
-    <dgm:scene3d>
-      <a:camera prst="orthographicFront"/>
-      <a:lightRig rig="threePt" dir="t"/>
-    </dgm:scene3d>
-    <dgm:sp3d/>
-    <dgm:txPr/>
-    <dgm:style>
-      <a:lnRef idx="0">
-        <a:scrgbClr r="0" g="0" b="0"/>
-      </a:lnRef>
-      <a:fillRef idx="1">
-        <a:scrgbClr r="0" g="0" b="0"/>
-      </a:fillRef>
-      <a:effectRef idx="0">
-        <a:scrgbClr r="0" g="0" b="0"/>
-      </a:effectRef>
-      <a:fontRef idx="minor">
-        <a:schemeClr val="lt1"/>
-      </a:fontRef>
-    </dgm:style>
-  </dgm:styleLbl>
-  <dgm:styleLbl name="sibTrans1D1">
-    <dgm:scene3d>
-      <a:camera prst="orthographicFront"/>
-      <a:lightRig rig="threePt" dir="t"/>
-    </dgm:scene3d>
-    <dgm:sp3d/>
-    <dgm:txPr/>
-    <dgm:style>
-      <a:lnRef idx="1">
-        <a:scrgbClr r="0" g="0" b="0"/>
-      </a:lnRef>
-      <a:fillRef idx="0">
-        <a:scrgbClr r="0" g="0" b="0"/>
-      </a:fillRef>
-      <a:effectRef idx="0">
-        <a:scrgbClr r="0" g="0" b="0"/>
-      </a:effectRef>
-      <a:fontRef idx="minor"/>
-    </dgm:style>
-  </dgm:styleLbl>
-  <dgm:styleLbl name="callout">
-    <dgm:scene3d>
-      <a:camera prst="orthographicFront"/>
-      <a:lightRig rig="threePt" dir="t"/>
-    </dgm:scene3d>
-    <dgm:sp3d/>
-    <dgm:txPr/>
-    <dgm:style>
-      <a:lnRef idx="2">
-        <a:scrgbClr r="0" g="0" b="0"/>
-      </a:lnRef>
-      <a:fillRef idx="1">
-        <a:scrgbClr r="0" g="0" b="0"/>
-      </a:fillRef>
-      <a:effectRef idx="0">
-        <a:scrgbClr r="0" g="0" b="0"/>
-      </a:effectRef>
-      <a:fontRef idx="minor"/>
-    </dgm:style>
-  </dgm:styleLbl>
-  <dgm:styleLbl name="asst0">
-    <dgm:scene3d>
-      <a:camera prst="orthographicFront"/>
-      <a:lightRig rig="threePt" dir="t"/>
-    </dgm:scene3d>
-    <dgm:sp3d/>
-    <dgm:txPr/>
-    <dgm:style>
-      <a:lnRef idx="2">
-        <a:scrgbClr r="0" g="0" b="0"/>
-      </a:lnRef>
-      <a:fillRef idx="1">
-        <a:scrgbClr r="0" g="0" b="0"/>
-      </a:fillRef>
-      <a:effectRef idx="0">
-        <a:scrgbClr r="0" g="0" b="0"/>
-      </a:effectRef>
-      <a:fontRef idx="minor">
-        <a:schemeClr val="lt1"/>
-      </a:fontRef>
-    </dgm:style>
-  </dgm:styleLbl>
-  <dgm:styleLbl name="asst1">
-    <dgm:scene3d>
-      <a:camera prst="orthographicFront"/>
-      <a:lightRig rig="threePt" dir="t"/>
-    </dgm:scene3d>
-    <dgm:sp3d/>
-    <dgm:txPr/>
-    <dgm:style>
-      <a:lnRef idx="2">
-        <a:scrgbClr r="0" g="0" b="0"/>
-      </a:lnRef>
-      <a:fillRef idx="1">
-        <a:scrgbClr r="0" g="0" b="0"/>
-      </a:fillRef>
-      <a:effectRef idx="0">
-        <a:scrgbClr r="0" g="0" b="0"/>
-      </a:effectRef>
-      <a:fontRef idx="minor">
-        <a:schemeClr val="lt1"/>
-      </a:fontRef>
-    </dgm:style>
-  </dgm:styleLbl>
-  <dgm:styleLbl name="asst2">
-    <dgm:scene3d>
-      <a:camera prst="orthographicFront"/>
-      <a:lightRig rig="threePt" dir="t"/>
-    </dgm:scene3d>
-    <dgm:sp3d/>
-    <dgm:txPr/>
-    <dgm:style>
-      <a:lnRef idx="2">
-        <a:scrgbClr r="0" g="0" b="0"/>
-      </a:lnRef>
-      <a:fillRef idx="1">
-        <a:scrgbClr r="0" g="0" b="0"/>
-      </a:fillRef>
-      <a:effectRef idx="0">
-        <a:scrgbClr r="0" g="0" b="0"/>
-      </a:effectRef>
-      <a:fontRef idx="minor">
-        <a:schemeClr val="lt1"/>
-      </a:fontRef>
-    </dgm:style>
-  </dgm:styleLbl>
-  <dgm:styleLbl name="asst3">
-    <dgm:scene3d>
-      <a:camera prst="orthographicFront"/>
-      <a:lightRig rig="threePt" dir="t"/>
-    </dgm:scene3d>
-    <dgm:sp3d/>
-    <dgm:txPr/>
-    <dgm:style>
-      <a:lnRef idx="2">
-        <a:scrgbClr r="0" g="0" b="0"/>
-      </a:lnRef>
-      <a:fillRef idx="1">
-        <a:scrgbClr r="0" g="0" b="0"/>
-      </a:fillRef>
-      <a:effectRef idx="0">
-        <a:scrgbClr r="0" g="0" b="0"/>
-      </a:effectRef>
-      <a:fontRef idx="minor">
-        <a:schemeClr val="lt1"/>
-      </a:fontRef>
-    </dgm:style>
-  </dgm:styleLbl>
-  <dgm:styleLbl name="asst4">
-    <dgm:scene3d>
-      <a:camera prst="orthographicFront"/>
-      <a:lightRig rig="threePt" dir="t"/>
-    </dgm:scene3d>
-    <dgm:sp3d/>
-    <dgm:txPr/>
-    <dgm:style>
-      <a:lnRef idx="2">
-        <a:scrgbClr r="0" g="0" b="0"/>
-      </a:lnRef>
-      <a:fillRef idx="1">
-        <a:scrgbClr r="0" g="0" b="0"/>
-      </a:fillRef>
-      <a:effectRef idx="0">
-        <a:scrgbClr r="0" g="0" b="0"/>
-      </a:effectRef>
-      <a:fontRef idx="minor">
-        <a:schemeClr val="lt1"/>
-      </a:fontRef>
-    </dgm:style>
-  </dgm:styleLbl>
-  <dgm:styleLbl name="parChTrans2D1">
-    <dgm:scene3d>
-      <a:camera prst="orthographicFront"/>
-      <a:lightRig rig="threePt" dir="t"/>
-    </dgm:scene3d>
-    <dgm:sp3d/>
-    <dgm:txPr/>
-    <dgm:style>
-      <a:lnRef idx="2">
-        <a:scrgbClr r="0" g="0" b="0"/>
-      </a:lnRef>
-      <a:fillRef idx="1">
-        <a:scrgbClr r="0" g="0" b="0"/>
-      </a:fillRef>
-      <a:effectRef idx="0">
-        <a:scrgbClr r="0" g="0" b="0"/>
-      </a:effectRef>
-      <a:fontRef idx="minor">
-        <a:schemeClr val="lt1"/>
-      </a:fontRef>
-    </dgm:style>
-  </dgm:styleLbl>
-  <dgm:styleLbl name="parChTrans2D2">
-    <dgm:scene3d>
-      <a:camera prst="orthographicFront"/>
-      <a:lightRig rig="threePt" dir="t"/>
-    </dgm:scene3d>
-    <dgm:sp3d/>
-    <dgm:txPr/>
-    <dgm:style>
-      <a:lnRef idx="2">
-        <a:scrgbClr r="0" g="0" b="0"/>
-      </a:lnRef>
-      <a:fillRef idx="1">
-        <a:scrgbClr r="0" g="0" b="0"/>
-      </a:fillRef>
-      <a:effectRef idx="0">
-        <a:scrgbClr r="0" g="0" b="0"/>
-      </a:effectRef>
-      <a:fontRef idx="minor">
-        <a:schemeClr val="lt1"/>
-      </a:fontRef>
-    </dgm:style>
-  </dgm:styleLbl>
-  <dgm:styleLbl name="parChTrans2D3">
-    <dgm:scene3d>
-      <a:camera prst="orthographicFront"/>
-      <a:lightRig rig="threePt" dir="t"/>
-    </dgm:scene3d>
-    <dgm:sp3d/>
-    <dgm:txPr/>
-    <dgm:style>
-      <a:lnRef idx="2">
-        <a:scrgbClr r="0" g="0" b="0"/>
-      </a:lnRef>
-      <a:fillRef idx="1">
-        <a:scrgbClr r="0" g="0" b="0"/>
-      </a:fillRef>
-      <a:effectRef idx="0">
-        <a:scrgbClr r="0" g="0" b="0"/>
-      </a:effectRef>
-      <a:fontRef idx="minor">
-        <a:schemeClr val="lt1"/>
-      </a:fontRef>
-    </dgm:style>
-  </dgm:styleLbl>
-  <dgm:styleLbl name="parChTrans2D4">
-    <dgm:scene3d>
-      <a:camera prst="orthographicFront"/>
-      <a:lightRig rig="threePt" dir="t"/>
-    </dgm:scene3d>
-    <dgm:sp3d/>
-    <dgm:txPr/>
-    <dgm:style>
-      <a:lnRef idx="2">
-        <a:scrgbClr r="0" g="0" b="0"/>
-      </a:lnRef>
-      <a:fillRef idx="1">
-        <a:scrgbClr r="0" g="0" b="0"/>
-      </a:fillRef>
-      <a:effectRef idx="0">
-        <a:scrgbClr r="0" g="0" b="0"/>
-      </a:effectRef>
-      <a:fontRef idx="minor">
-        <a:schemeClr val="lt1"/>
-      </a:fontRef>
-    </dgm:style>
-  </dgm:styleLbl>
-  <dgm:styleLbl name="parChTrans1D1">
-    <dgm:scene3d>
-      <a:camera prst="orthographicFront"/>
-      <a:lightRig rig="threePt" dir="t"/>
-    </dgm:scene3d>
-    <dgm:sp3d/>
-    <dgm:txPr/>
-    <dgm:style>
-      <a:lnRef idx="2">
-        <a:scrgbClr r="0" g="0" b="0"/>
-      </a:lnRef>
-      <a:fillRef idx="0">
-        <a:scrgbClr r="0" g="0" b="0"/>
-      </a:fillRef>
-      <a:effectRef idx="0">
-        <a:scrgbClr r="0" g="0" b="0"/>
-      </a:effectRef>
-      <a:fontRef idx="minor"/>
-    </dgm:style>
-  </dgm:styleLbl>
-  <dgm:styleLbl name="parChTrans1D2">
-    <dgm:scene3d>
-      <a:camera prst="orthographicFront"/>
-      <a:lightRig rig="threePt" dir="t"/>
-    </dgm:scene3d>
-    <dgm:sp3d/>
-    <dgm:txPr/>
-    <dgm:style>
-      <a:lnRef idx="2">
-        <a:scrgbClr r="0" g="0" b="0"/>
-      </a:lnRef>
-      <a:fillRef idx="0">
-        <a:scrgbClr r="0" g="0" b="0"/>
-      </a:fillRef>
-      <a:effectRef idx="0">
-        <a:scrgbClr r="0" g="0" b="0"/>
-      </a:effectRef>
-      <a:fontRef idx="minor"/>
-    </dgm:style>
-  </dgm:styleLbl>
-  <dgm:styleLbl name="parChTrans1D3">
-    <dgm:scene3d>
-      <a:camera prst="orthographicFront"/>
-      <a:lightRig rig="threePt" dir="t"/>
-    </dgm:scene3d>
-    <dgm:sp3d/>
-    <dgm:txPr/>
-    <dgm:style>
-      <a:lnRef idx="2">
-        <a:scrgbClr r="0" g="0" b="0"/>
-      </a:lnRef>
-      <a:fillRef idx="0">
-        <a:scrgbClr r="0" g="0" b="0"/>
-      </a:fillRef>
-      <a:effectRef idx="0">
-        <a:scrgbClr r="0" g="0" b="0"/>
-      </a:effectRef>
-      <a:fontRef idx="minor"/>
-    </dgm:style>
-  </dgm:styleLbl>
-  <dgm:styleLbl name="parChTrans1D4">
-    <dgm:scene3d>
-      <a:camera prst="orthographicFront"/>
-      <a:lightRig rig="threePt" dir="t"/>
-    </dgm:scene3d>
-    <dgm:sp3d/>
-    <dgm:txPr/>
-    <dgm:style>
-      <a:lnRef idx="2">
-        <a:scrgbClr r="0" g="0" b="0"/>
-      </a:lnRef>
-      <a:fillRef idx="0">
-        <a:scrgbClr r="0" g="0" b="0"/>
-      </a:fillRef>
-      <a:effectRef idx="0">
-        <a:scrgbClr r="0" g="0" b="0"/>
-      </a:effectRef>
-      <a:fontRef idx="minor"/>
-    </dgm:style>
-  </dgm:styleLbl>
-  <dgm:styleLbl name="fgAcc1">
-    <dgm:scene3d>
-      <a:camera prst="orthographicFront"/>
-      <a:lightRig rig="threePt" dir="t"/>
-    </dgm:scene3d>
-    <dgm:sp3d/>
-    <dgm:txPr/>
-    <dgm:style>
-      <a:lnRef idx="2">
-        <a:scrgbClr r="0" g="0" b="0"/>
-      </a:lnRef>
-      <a:fillRef idx="1">
-        <a:scrgbClr r="0" g="0" b="0"/>
-      </a:fillRef>
-      <a:effectRef idx="0">
-        <a:scrgbClr r="0" g="0" b="0"/>
-      </a:effectRef>
-      <a:fontRef idx="minor"/>
-    </dgm:style>
-  </dgm:styleLbl>
-  <dgm:styleLbl name="conFgAcc1">
-    <dgm:scene3d>
-      <a:camera prst="orthographicFront"/>
-      <a:lightRig rig="threePt" dir="t"/>
-    </dgm:scene3d>
-    <dgm:sp3d/>
-    <dgm:txPr/>
-    <dgm:style>
-      <a:lnRef idx="2">
-        <a:scrgbClr r="0" g="0" b="0"/>
-      </a:lnRef>
-      <a:fillRef idx="1">
-        <a:scrgbClr r="0" g="0" b="0"/>
-      </a:fillRef>
-      <a:effectRef idx="0">
-        <a:scrgbClr r="0" g="0" b="0"/>
-      </a:effectRef>
-      <a:fontRef idx="minor"/>
-    </dgm:style>
-  </dgm:styleLbl>
-  <dgm:styleLbl name="alignAcc1">
-    <dgm:scene3d>
-      <a:camera prst="orthographicFront"/>
-      <a:lightRig rig="threePt" dir="t"/>
-    </dgm:scene3d>
-    <dgm:sp3d/>
-    <dgm:txPr/>
-    <dgm:style>
-      <a:lnRef idx="2">
-        <a:scrgbClr r="0" g="0" b="0"/>
-      </a:lnRef>
-      <a:fillRef idx="1">
-        <a:scrgbClr r="0" g="0" b="0"/>
-      </a:fillRef>
-      <a:effectRef idx="0">
-        <a:scrgbClr r="0" g="0" b="0"/>
-      </a:effectRef>
-      <a:fontRef idx="minor"/>
-    </dgm:style>
-  </dgm:styleLbl>
-  <dgm:styleLbl name="trAlignAcc1">
-    <dgm:scene3d>
-      <a:camera prst="orthographicFront"/>
-      <a:lightRig rig="threePt" dir="t"/>
-    </dgm:scene3d>
-    <dgm:sp3d/>
-    <dgm:txPr/>
-    <dgm:style>
-      <a:lnRef idx="1">
-        <a:scrgbClr r="0" g="0" b="0"/>
-      </a:lnRef>
-      <a:fillRef idx="1">
-        <a:scrgbClr r="0" g="0" b="0"/>
-      </a:fillRef>
-      <a:effectRef idx="0">
-        <a:scrgbClr r="0" g="0" b="0"/>
-      </a:effectRef>
-      <a:fontRef idx="minor"/>
-    </dgm:style>
-  </dgm:styleLbl>
-  <dgm:styleLbl name="bgAcc1">
-    <dgm:scene3d>
-      <a:camera prst="orthographicFront"/>
-      <a:lightRig rig="threePt" dir="t"/>
-    </dgm:scene3d>
-    <dgm:sp3d/>
-    <dgm:txPr/>
-    <dgm:style>
-      <a:lnRef idx="2">
-        <a:scrgbClr r="0" g="0" b="0"/>
-      </a:lnRef>
-      <a:fillRef idx="1">
-        <a:scrgbClr r="0" g="0" b="0"/>
-      </a:fillRef>
-      <a:effectRef idx="0">
-        <a:scrgbClr r="0" g="0" b="0"/>
-      </a:effectRef>
-      <a:fontRef idx="minor"/>
-    </dgm:style>
-  </dgm:styleLbl>
-  <dgm:styleLbl name="solidFgAcc1">
-    <dgm:scene3d>
-      <a:camera prst="orthographicFront"/>
-      <a:lightRig rig="threePt" dir="t"/>
-    </dgm:scene3d>
-    <dgm:sp3d/>
-    <dgm:txPr/>
-    <dgm:style>
-      <a:lnRef idx="2">
-        <a:scrgbClr r="0" g="0" b="0"/>
-      </a:lnRef>
-      <a:fillRef idx="1">
-        <a:scrgbClr r="0" g="0" b="0"/>
-      </a:fillRef>
-      <a:effectRef idx="0">
-        <a:scrgbClr r="0" g="0" b="0"/>
-      </a:effectRef>
-      <a:fontRef idx="minor"/>
-    </dgm:style>
-  </dgm:styleLbl>
-  <dgm:styleLbl name="solidAlignAcc1">
-    <dgm:scene3d>
-      <a:camera prst="orthographicFront"/>
-      <a:lightRig rig="threePt" dir="t"/>
-    </dgm:scene3d>
-    <dgm:sp3d/>
-    <dgm:txPr/>
-    <dgm:style>
-      <a:lnRef idx="2">
-        <a:scrgbClr r="0" g="0" b="0"/>
-      </a:lnRef>
-      <a:fillRef idx="1">
-        <a:scrgbClr r="0" g="0" b="0"/>
-      </a:fillRef>
-      <a:effectRef idx="0">
-        <a:scrgbClr r="0" g="0" b="0"/>
-      </a:effectRef>
-      <a:fontRef idx="minor"/>
-    </dgm:style>
-  </dgm:styleLbl>
-  <dgm:styleLbl name="solidBgAcc1">
-    <dgm:scene3d>
-      <a:camera prst="orthographicFront"/>
-      <a:lightRig rig="threePt" dir="t"/>
-    </dgm:scene3d>
-    <dgm:sp3d/>
-    <dgm:txPr/>
-    <dgm:style>
-      <a:lnRef idx="2">
-        <a:scrgbClr r="0" g="0" b="0"/>
-      </a:lnRef>
-      <a:fillRef idx="1">
-        <a:scrgbClr r="0" g="0" b="0"/>
-      </a:fillRef>
-      <a:effectRef idx="0">
-        <a:scrgbClr r="0" g="0" b="0"/>
-      </a:effectRef>
-      <a:fontRef idx="minor"/>
-    </dgm:style>
-  </dgm:styleLbl>
-  <dgm:styleLbl name="fgAccFollowNode1">
-    <dgm:scene3d>
-      <a:camera prst="orthographicFront"/>
-      <a:lightRig rig="threePt" dir="t"/>
-    </dgm:scene3d>
-    <dgm:sp3d/>
-    <dgm:txPr/>
-    <dgm:style>
-      <a:lnRef idx="2">
-        <a:scrgbClr r="0" g="0" b="0"/>
-      </a:lnRef>
-      <a:fillRef idx="1">
-        <a:scrgbClr r="0" g="0" b="0"/>
-      </a:fillRef>
-      <a:effectRef idx="0">
-        <a:scrgbClr r="0" g="0" b="0"/>
-      </a:effectRef>
-      <a:fontRef idx="minor"/>
-    </dgm:style>
-  </dgm:styleLbl>
-  <dgm:styleLbl name="alignAccFollowNode1">
-    <dgm:scene3d>
-      <a:camera prst="orthographicFront"/>
-      <a:lightRig rig="threePt" dir="t"/>
-    </dgm:scene3d>
-    <dgm:sp3d/>
-    <dgm:txPr/>
-    <dgm:style>
-      <a:lnRef idx="2">
-        <a:scrgbClr r="0" g="0" b="0"/>
-      </a:lnRef>
-      <a:fillRef idx="1">
-        <a:scrgbClr r="0" g="0" b="0"/>
-      </a:fillRef>
-      <a:effectRef idx="0">
-        <a:scrgbClr r="0" g="0" b="0"/>
-      </a:effectRef>
-      <a:fontRef idx="minor"/>
-    </dgm:style>
-  </dgm:styleLbl>
-  <dgm:styleLbl name="bgAccFollowNode1">
-    <dgm:scene3d>
-      <a:camera prst="orthographicFront"/>
-      <a:lightRig rig="threePt" dir="t"/>
-    </dgm:scene3d>
-    <dgm:sp3d/>
-    <dgm:txPr/>
-    <dgm:style>
-      <a:lnRef idx="2">
-        <a:scrgbClr r="0" g="0" b="0"/>
-      </a:lnRef>
-      <a:fillRef idx="1">
-        <a:scrgbClr r="0" g="0" b="0"/>
-      </a:fillRef>
-      <a:effectRef idx="0">
-        <a:scrgbClr r="0" g="0" b="0"/>
-      </a:effectRef>
-      <a:fontRef idx="minor"/>
-    </dgm:style>
-  </dgm:styleLbl>
-  <dgm:styleLbl name="fgAcc0">
-    <dgm:scene3d>
-      <a:camera prst="orthographicFront"/>
-      <a:lightRig rig="threePt" dir="t"/>
-    </dgm:scene3d>
-    <dgm:sp3d/>
-    <dgm:txPr/>
-    <dgm:style>
-      <a:lnRef idx="2">
-        <a:scrgbClr r="0" g="0" b="0"/>
-      </a:lnRef>
-      <a:fillRef idx="1">
-        <a:scrgbClr r="0" g="0" b="0"/>
-      </a:fillRef>
-      <a:effectRef idx="0">
-        <a:scrgbClr r="0" g="0" b="0"/>
-      </a:effectRef>
-      <a:fontRef idx="minor"/>
-    </dgm:style>
-  </dgm:styleLbl>
-  <dgm:styleLbl name="fgAcc2">
-    <dgm:scene3d>
-      <a:camera prst="orthographicFront"/>
-      <a:lightRig rig="threePt" dir="t"/>
-    </dgm:scene3d>
-    <dgm:sp3d/>
-    <dgm:txPr/>
-    <dgm:style>
-      <a:lnRef idx="2">
-        <a:scrgbClr r="0" g="0" b="0"/>
-      </a:lnRef>
-      <a:fillRef idx="1">
-        <a:scrgbClr r="0" g="0" b="0"/>
-      </a:fillRef>
-      <a:effectRef idx="0">
-        <a:scrgbClr r="0" g="0" b="0"/>
-      </a:effectRef>
-      <a:fontRef idx="minor"/>
-    </dgm:style>
-  </dgm:styleLbl>
-  <dgm:styleLbl name="fgAcc3">
-    <dgm:scene3d>
-      <a:camera prst="orthographicFront"/>
-      <a:lightRig rig="threePt" dir="t"/>
-    </dgm:scene3d>
-    <dgm:sp3d/>
-    <dgm:txPr/>
-    <dgm:style>
-      <a:lnRef idx="2">
-        <a:scrgbClr r="0" g="0" b="0"/>
-      </a:lnRef>
-      <a:fillRef idx="1">
-        <a:scrgbClr r="0" g="0" b="0"/>
-      </a:fillRef>
-      <a:effectRef idx="0">
-        <a:scrgbClr r="0" g="0" b="0"/>
-      </a:effectRef>
-      <a:fontRef idx="minor"/>
-    </dgm:style>
-  </dgm:styleLbl>
-  <dgm:styleLbl name="fgAcc4">
-    <dgm:scene3d>
-      <a:camera prst="orthographicFront"/>
-      <a:lightRig rig="threePt" dir="t"/>
-    </dgm:scene3d>
-    <dgm:sp3d/>
-    <dgm:txPr/>
-    <dgm:style>
-      <a:lnRef idx="2">
-        <a:scrgbClr r="0" g="0" b="0"/>
-      </a:lnRef>
-      <a:fillRef idx="1">
-        <a:scrgbClr r="0" g="0" b="0"/>
-      </a:fillRef>
-      <a:effectRef idx="0">
-        <a:scrgbClr r="0" g="0" b="0"/>
-      </a:effectRef>
-      <a:fontRef idx="minor"/>
-    </dgm:style>
-  </dgm:styleLbl>
-  <dgm:styleLbl name="bgShp">
-    <dgm:scene3d>
-      <a:camera prst="orthographicFront"/>
-      <a:lightRig rig="threePt" dir="t"/>
-    </dgm:scene3d>
-    <dgm:sp3d/>
-    <dgm:txPr/>
-    <dgm:style>
-      <a:lnRef idx="0">
-        <a:scrgbClr r="0" g="0" b="0"/>
-      </a:lnRef>
-      <a:fillRef idx="1">
-        <a:scrgbClr r="0" g="0" b="0"/>
-      </a:fillRef>
-      <a:effectRef idx="0">
-        <a:scrgbClr r="0" g="0" b="0"/>
-      </a:effectRef>
-      <a:fontRef idx="minor"/>
-    </dgm:style>
-  </dgm:styleLbl>
-  <dgm:styleLbl name="dkBgShp">
-    <dgm:scene3d>
-      <a:camera prst="orthographicFront"/>
-      <a:lightRig rig="threePt" dir="t"/>
-    </dgm:scene3d>
-    <dgm:sp3d/>
-    <dgm:txPr/>
-    <dgm:style>
-      <a:lnRef idx="0">
-        <a:scrgbClr r="0" g="0" b="0"/>
-      </a:lnRef>
-      <a:fillRef idx="1">
-        <a:scrgbClr r="0" g="0" b="0"/>
-      </a:fillRef>
-      <a:effectRef idx="0">
-        <a:scrgbClr r="0" g="0" b="0"/>
-      </a:effectRef>
-      <a:fontRef idx="minor"/>
-    </dgm:style>
-  </dgm:styleLbl>
-  <dgm:styleLbl name="trBgShp">
-    <dgm:scene3d>
-      <a:camera prst="orthographicFront"/>
-      <a:lightRig rig="threePt" dir="t"/>
-    </dgm:scene3d>
-    <dgm:sp3d/>
-    <dgm:txPr/>
-    <dgm:style>
-      <a:lnRef idx="0">
-        <a:scrgbClr r="0" g="0" b="0"/>
-      </a:lnRef>
-      <a:fillRef idx="1">
-        <a:scrgbClr r="0" g="0" b="0"/>
-      </a:fillRef>
-      <a:effectRef idx="0">
-        <a:scrgbClr r="0" g="0" b="0"/>
-      </a:effectRef>
-      <a:fontRef idx="minor"/>
-    </dgm:style>
-  </dgm:styleLbl>
-  <dgm:styleLbl name="fgShp">
-    <dgm:scene3d>
-      <a:camera prst="orthographicFront"/>
-      <a:lightRig rig="threePt" dir="t"/>
-    </dgm:scene3d>
-    <dgm:sp3d/>
-    <dgm:txPr/>
-    <dgm:style>
-      <a:lnRef idx="2">
-        <a:scrgbClr r="0" g="0" b="0"/>
-      </a:lnRef>
-      <a:fillRef idx="1">
-        <a:scrgbClr r="0" g="0" b="0"/>
-      </a:fillRef>
-      <a:effectRef idx="0">
-        <a:scrgbClr r="0" g="0" b="0"/>
-      </a:effectRef>
-      <a:fontRef idx="minor"/>
-    </dgm:style>
-  </dgm:styleLbl>
-  <dgm:styleLbl name="revTx">
-    <dgm:scene3d>
-      <a:camera prst="orthographicFront"/>
-      <a:lightRig rig="threePt" dir="t"/>
-    </dgm:scene3d>
-    <dgm:sp3d/>
-    <dgm:txPr/>
-    <dgm:style>
-      <a:lnRef idx="0">
-        <a:scrgbClr r="0" g="0" b="0"/>
-      </a:lnRef>
-      <a:fillRef idx="0">
-        <a:scrgbClr r="0" g="0" b="0"/>
-      </a:fillRef>
-      <a:effectRef idx="0">
-        <a:scrgbClr r="0" g="0" b="0"/>
-      </a:effectRef>
-      <a:fontRef idx="minor"/>
-    </dgm:style>
-  </dgm:styleLbl>
-</dgm:styleDef>
-</file>
-
 <file path=ppt/slideLayouts/slideLayout1.xml><?xml version="1.0" encoding="utf-8"?>
 <p:sldLayout xmlns:a="http://schemas.openxmlformats.org/drawingml/2006/main" xmlns:r="http://schemas.openxmlformats.org/officeDocument/2006/relationships" xmlns:p="http://schemas.openxmlformats.org/presentationml/2006/main" type="title" preserve="1">
   <p:cSld name="Титульный слайд">
@@ -11569,7 +8955,7 @@
           <a:p>
             <a:fld id="{62DDC03B-4336-4B1D-9FEE-0F4D0911C61F}" type="datetimeFigureOut">
               <a:rPr lang="ru-RU" smtClean="0"/>
-              <a:t>17.01.2020</a:t>
+              <a:t>18.01.2020</a:t>
             </a:fld>
             <a:endParaRPr lang="ru-RU"/>
           </a:p>
@@ -11767,7 +9153,7 @@
           <a:p>
             <a:fld id="{62DDC03B-4336-4B1D-9FEE-0F4D0911C61F}" type="datetimeFigureOut">
               <a:rPr lang="ru-RU" smtClean="0"/>
-              <a:t>17.01.2020</a:t>
+              <a:t>18.01.2020</a:t>
             </a:fld>
             <a:endParaRPr lang="ru-RU"/>
           </a:p>
@@ -11975,7 +9361,7 @@
           <a:p>
             <a:fld id="{62DDC03B-4336-4B1D-9FEE-0F4D0911C61F}" type="datetimeFigureOut">
               <a:rPr lang="ru-RU" smtClean="0"/>
-              <a:t>17.01.2020</a:t>
+              <a:t>18.01.2020</a:t>
             </a:fld>
             <a:endParaRPr lang="ru-RU"/>
           </a:p>
@@ -12173,7 +9559,7 @@
           <a:p>
             <a:fld id="{62DDC03B-4336-4B1D-9FEE-0F4D0911C61F}" type="datetimeFigureOut">
               <a:rPr lang="ru-RU" smtClean="0"/>
-              <a:t>17.01.2020</a:t>
+              <a:t>18.01.2020</a:t>
             </a:fld>
             <a:endParaRPr lang="ru-RU"/>
           </a:p>
@@ -12448,7 +9834,7 @@
           <a:p>
             <a:fld id="{62DDC03B-4336-4B1D-9FEE-0F4D0911C61F}" type="datetimeFigureOut">
               <a:rPr lang="ru-RU" smtClean="0"/>
-              <a:t>17.01.2020</a:t>
+              <a:t>18.01.2020</a:t>
             </a:fld>
             <a:endParaRPr lang="ru-RU"/>
           </a:p>
@@ -12713,7 +10099,7 @@
           <a:p>
             <a:fld id="{62DDC03B-4336-4B1D-9FEE-0F4D0911C61F}" type="datetimeFigureOut">
               <a:rPr lang="ru-RU" smtClean="0"/>
-              <a:t>17.01.2020</a:t>
+              <a:t>18.01.2020</a:t>
             </a:fld>
             <a:endParaRPr lang="ru-RU"/>
           </a:p>
@@ -13125,7 +10511,7 @@
           <a:p>
             <a:fld id="{62DDC03B-4336-4B1D-9FEE-0F4D0911C61F}" type="datetimeFigureOut">
               <a:rPr lang="ru-RU" smtClean="0"/>
-              <a:t>17.01.2020</a:t>
+              <a:t>18.01.2020</a:t>
             </a:fld>
             <a:endParaRPr lang="ru-RU"/>
           </a:p>
@@ -13266,7 +10652,7 @@
           <a:p>
             <a:fld id="{62DDC03B-4336-4B1D-9FEE-0F4D0911C61F}" type="datetimeFigureOut">
               <a:rPr lang="ru-RU" smtClean="0"/>
-              <a:t>17.01.2020</a:t>
+              <a:t>18.01.2020</a:t>
             </a:fld>
             <a:endParaRPr lang="ru-RU"/>
           </a:p>
@@ -13379,7 +10765,7 @@
           <a:p>
             <a:fld id="{62DDC03B-4336-4B1D-9FEE-0F4D0911C61F}" type="datetimeFigureOut">
               <a:rPr lang="ru-RU" smtClean="0"/>
-              <a:t>17.01.2020</a:t>
+              <a:t>18.01.2020</a:t>
             </a:fld>
             <a:endParaRPr lang="ru-RU"/>
           </a:p>
@@ -13690,7 +11076,7 @@
           <a:p>
             <a:fld id="{62DDC03B-4336-4B1D-9FEE-0F4D0911C61F}" type="datetimeFigureOut">
               <a:rPr lang="ru-RU" smtClean="0"/>
-              <a:t>17.01.2020</a:t>
+              <a:t>18.01.2020</a:t>
             </a:fld>
             <a:endParaRPr lang="ru-RU"/>
           </a:p>
@@ -13978,7 +11364,7 @@
           <a:p>
             <a:fld id="{62DDC03B-4336-4B1D-9FEE-0F4D0911C61F}" type="datetimeFigureOut">
               <a:rPr lang="ru-RU" smtClean="0"/>
-              <a:t>17.01.2020</a:t>
+              <a:t>18.01.2020</a:t>
             </a:fld>
             <a:endParaRPr lang="ru-RU"/>
           </a:p>
@@ -14219,7 +11605,7 @@
           <a:p>
             <a:fld id="{62DDC03B-4336-4B1D-9FEE-0F4D0911C61F}" type="datetimeFigureOut">
               <a:rPr lang="ru-RU" smtClean="0"/>
-              <a:t>17.01.2020</a:t>
+              <a:t>18.01.2020</a:t>
             </a:fld>
             <a:endParaRPr lang="ru-RU"/>
           </a:p>
@@ -14962,6 +12348,42 @@
           <a:chExt cx="0" cy="0"/>
         </a:xfrm>
       </p:grpSpPr>
+      <p:pic>
+        <p:nvPicPr>
+          <p:cNvPr id="12" name="Рисунок 11" descr="Изображение выглядит как стол, сидит, тарелка, белый&#10;&#10;Автоматически созданное описание">
+            <a:extLst>
+              <a:ext uri="{FF2B5EF4-FFF2-40B4-BE49-F238E27FC236}">
+                <a16:creationId xmlns:a16="http://schemas.microsoft.com/office/drawing/2014/main" id="{6FAB7B10-7236-40E9-8E01-4879760A32CB}"/>
+              </a:ext>
+            </a:extLst>
+          </p:cNvPr>
+          <p:cNvPicPr>
+            <a:picLocks noChangeAspect="1"/>
+          </p:cNvPicPr>
+          <p:nvPr/>
+        </p:nvPicPr>
+        <p:blipFill>
+          <a:blip r:embed="rId2">
+            <a:extLst>
+              <a:ext uri="{28A0092B-C50C-407E-A947-70E740481C1C}">
+                <a14:useLocalDpi xmlns:a14="http://schemas.microsoft.com/office/drawing/2010/main" val="0"/>
+              </a:ext>
+            </a:extLst>
+          </a:blip>
+          <a:stretch>
+            <a:fillRect/>
+          </a:stretch>
+        </p:blipFill>
+        <p:spPr>
+          <a:xfrm>
+            <a:off x="10760765" y="4829478"/>
+            <a:ext cx="1431235" cy="2028522"/>
+          </a:xfrm>
+          <a:prstGeom prst="rect">
+            <a:avLst/>
+          </a:prstGeom>
+        </p:spPr>
+      </p:pic>
       <p:sp>
         <p:nvSpPr>
           <p:cNvPr id="9" name="Rectangle 8">
@@ -15966,6 +13388,42 @@
           </a:graphicData>
         </a:graphic>
       </p:graphicFrame>
+      <p:pic>
+        <p:nvPicPr>
+          <p:cNvPr id="4" name="Рисунок 3" descr="Изображение выглядит как рисунок&#10;&#10;Автоматически созданное описание">
+            <a:extLst>
+              <a:ext uri="{FF2B5EF4-FFF2-40B4-BE49-F238E27FC236}">
+                <a16:creationId xmlns:a16="http://schemas.microsoft.com/office/drawing/2014/main" id="{04799859-3E42-4F17-8503-2C43D568DD24}"/>
+              </a:ext>
+            </a:extLst>
+          </p:cNvPr>
+          <p:cNvPicPr>
+            <a:picLocks noChangeAspect="1"/>
+          </p:cNvPicPr>
+          <p:nvPr/>
+        </p:nvPicPr>
+        <p:blipFill>
+          <a:blip r:embed="rId2">
+            <a:extLst>
+              <a:ext uri="{28A0092B-C50C-407E-A947-70E740481C1C}">
+                <a14:useLocalDpi xmlns:a14="http://schemas.microsoft.com/office/drawing/2010/main" val="0"/>
+              </a:ext>
+            </a:extLst>
+          </a:blip>
+          <a:stretch>
+            <a:fillRect/>
+          </a:stretch>
+        </p:blipFill>
+        <p:spPr>
+          <a:xfrm>
+            <a:off x="10575235" y="5241235"/>
+            <a:ext cx="1616765" cy="1616765"/>
+          </a:xfrm>
+          <a:prstGeom prst="rect">
+            <a:avLst/>
+          </a:prstGeom>
+        </p:spPr>
+      </p:pic>
     </p:spTree>
     <p:extLst>
       <p:ext uri="{BB962C8B-B14F-4D97-AF65-F5344CB8AC3E}">
@@ -18713,7 +16171,10 @@
     <p:bg>
       <p:bgPr>
         <a:solidFill>
-          <a:schemeClr val="bg1"/>
+          <a:schemeClr val="tx1">
+            <a:lumMod val="75000"/>
+            <a:lumOff val="25000"/>
+          </a:schemeClr>
         </a:solidFill>
         <a:effectLst/>
       </p:bgPr>
@@ -18732,674 +16193,82 @@
           <a:chExt cx="0" cy="0"/>
         </a:xfrm>
       </p:grpSpPr>
-      <p:sp>
-        <p:nvSpPr>
-          <p:cNvPr id="37" name="Freeform: Shape 36">
+      <p:pic>
+        <p:nvPicPr>
+          <p:cNvPr id="5" name="Объект 4">
             <a:extLst>
               <a:ext uri="{FF2B5EF4-FFF2-40B4-BE49-F238E27FC236}">
-                <a16:creationId xmlns:a16="http://schemas.microsoft.com/office/drawing/2014/main" id="{42285737-90EE-47DC-AC80-8AE156B11969}"/>
-              </a:ext>
-              <a:ext uri="{C183D7F6-B498-43B3-948B-1728B52AA6E4}">
-                <adec:decorative xmlns:adec="http://schemas.microsoft.com/office/drawing/2017/decorative" val="1"/>
+                <a16:creationId xmlns:a16="http://schemas.microsoft.com/office/drawing/2014/main" id="{10F2F3C1-93A7-4F54-80A6-35B7714186C2}"/>
               </a:ext>
             </a:extLst>
           </p:cNvPr>
-          <p:cNvSpPr>
-            <a:spLocks noGrp="1" noRot="1" noChangeAspect="1" noMove="1" noResize="1" noEditPoints="1" noAdjustHandles="1" noChangeArrowheads="1" noChangeShapeType="1" noTextEdit="1"/>
-          </p:cNvSpPr>
-          <p:nvPr>
-            <p:extLst>
-              <p:ext uri="{386F3935-93C4-4BCD-93E2-E3B085C9AB24}">
-                <p16:designElem xmlns:p16="http://schemas.microsoft.com/office/powerpoint/2015/main" val="1"/>
-              </p:ext>
-            </p:extLst>
-          </p:nvPr>
-        </p:nvSpPr>
+          <p:cNvPicPr>
+            <a:picLocks noChangeAspect="1"/>
+          </p:cNvPicPr>
+          <p:nvPr/>
+        </p:nvPicPr>
+        <p:blipFill rotWithShape="1">
+          <a:blip r:embed="rId2">
+            <a:extLst>
+              <a:ext uri="{28A0092B-C50C-407E-A947-70E740481C1C}">
+                <a14:useLocalDpi xmlns:a14="http://schemas.microsoft.com/office/drawing/2010/main" val="0"/>
+              </a:ext>
+            </a:extLst>
+          </a:blip>
+          <a:srcRect b="13084"/>
+          <a:stretch/>
+        </p:blipFill>
         <p:spPr>
-          <a:xfrm flipV="1">
-            <a:off x="-1" y="-1"/>
-            <a:ext cx="4403709" cy="6858001"/>
+          <a:xfrm>
+            <a:off x="0" y="0"/>
+            <a:ext cx="4635591" cy="6857990"/>
           </a:xfrm>
-          <a:custGeom>
+          <a:prstGeom prst="rect">
             <a:avLst/>
-            <a:gdLst>
-              <a:gd name="connsiteX0" fmla="*/ 3223890 w 4403709"/>
-              <a:gd name="connsiteY0" fmla="*/ 6858001 h 6858001"/>
-              <a:gd name="connsiteX1" fmla="*/ 4101908 w 4403709"/>
-              <a:gd name="connsiteY1" fmla="*/ 6858001 h 6858001"/>
-              <a:gd name="connsiteX2" fmla="*/ 3254950 w 4403709"/>
-              <a:gd name="connsiteY2" fmla="*/ 1599356 h 6858001"/>
-              <a:gd name="connsiteX3" fmla="*/ 3254950 w 4403709"/>
-              <a:gd name="connsiteY3" fmla="*/ 1594062 h 6858001"/>
-              <a:gd name="connsiteX4" fmla="*/ 4403709 w 4403709"/>
-              <a:gd name="connsiteY4" fmla="*/ 0 h 6858001"/>
-              <a:gd name="connsiteX5" fmla="*/ 3254950 w 4403709"/>
-              <a:gd name="connsiteY5" fmla="*/ 0 h 6858001"/>
-              <a:gd name="connsiteX6" fmla="*/ 2903520 w 4403709"/>
-              <a:gd name="connsiteY6" fmla="*/ 0 h 6858001"/>
-              <a:gd name="connsiteX7" fmla="*/ 0 w 4403709"/>
-              <a:gd name="connsiteY7" fmla="*/ 0 h 6858001"/>
-              <a:gd name="connsiteX8" fmla="*/ 0 w 4403709"/>
-              <a:gd name="connsiteY8" fmla="*/ 6858000 h 6858001"/>
-              <a:gd name="connsiteX9" fmla="*/ 3223890 w 4403709"/>
-              <a:gd name="connsiteY9" fmla="*/ 6858000 h 6858001"/>
-            </a:gdLst>
-            <a:ahLst/>
-            <a:cxnLst>
-              <a:cxn ang="0">
-                <a:pos x="connsiteX0" y="connsiteY0"/>
-              </a:cxn>
-              <a:cxn ang="0">
-                <a:pos x="connsiteX1" y="connsiteY1"/>
-              </a:cxn>
-              <a:cxn ang="0">
-                <a:pos x="connsiteX2" y="connsiteY2"/>
-              </a:cxn>
-              <a:cxn ang="0">
-                <a:pos x="connsiteX3" y="connsiteY3"/>
-              </a:cxn>
-              <a:cxn ang="0">
-                <a:pos x="connsiteX4" y="connsiteY4"/>
-              </a:cxn>
-              <a:cxn ang="0">
-                <a:pos x="connsiteX5" y="connsiteY5"/>
-              </a:cxn>
-              <a:cxn ang="0">
-                <a:pos x="connsiteX6" y="connsiteY6"/>
-              </a:cxn>
-              <a:cxn ang="0">
-                <a:pos x="connsiteX7" y="connsiteY7"/>
-              </a:cxn>
-              <a:cxn ang="0">
-                <a:pos x="connsiteX8" y="connsiteY8"/>
-              </a:cxn>
-              <a:cxn ang="0">
-                <a:pos x="connsiteX9" y="connsiteY9"/>
-              </a:cxn>
-            </a:cxnLst>
-            <a:rect l="l" t="t" r="r" b="b"/>
-            <a:pathLst>
-              <a:path w="4403709" h="6858001">
-                <a:moveTo>
-                  <a:pt x="3223890" y="6858001"/>
-                </a:moveTo>
-                <a:lnTo>
-                  <a:pt x="4101908" y="6858001"/>
-                </a:lnTo>
-                <a:lnTo>
-                  <a:pt x="3254950" y="1599356"/>
-                </a:lnTo>
-                <a:lnTo>
-                  <a:pt x="3254950" y="1594062"/>
-                </a:lnTo>
-                <a:lnTo>
-                  <a:pt x="4403709" y="0"/>
-                </a:lnTo>
-                <a:lnTo>
-                  <a:pt x="3254950" y="0"/>
-                </a:lnTo>
-                <a:lnTo>
-                  <a:pt x="2903520" y="0"/>
-                </a:lnTo>
-                <a:lnTo>
-                  <a:pt x="0" y="0"/>
-                </a:lnTo>
-                <a:lnTo>
-                  <a:pt x="0" y="6858000"/>
-                </a:lnTo>
-                <a:lnTo>
-                  <a:pt x="3223890" y="6858000"/>
-                </a:lnTo>
-                <a:close/>
-              </a:path>
-            </a:pathLst>
-          </a:custGeom>
-          <a:ln>
-            <a:noFill/>
-          </a:ln>
+          </a:prstGeom>
+          <a:effectLst/>
         </p:spPr>
-        <p:style>
-          <a:lnRef idx="2">
-            <a:schemeClr val="accent1">
-              <a:shade val="50000"/>
-            </a:schemeClr>
-          </a:lnRef>
-          <a:fillRef idx="1002">
-            <a:schemeClr val="dk1"/>
-          </a:fillRef>
-          <a:effectRef idx="0">
-            <a:schemeClr val="accent1"/>
-          </a:effectRef>
-          <a:fontRef idx="minor">
-            <a:schemeClr val="lt1"/>
-          </a:fontRef>
-        </p:style>
-        <p:txBody>
-          <a:bodyPr rtlCol="0" anchor="ctr"/>
-          <a:lstStyle/>
-          <a:p>
-            <a:pPr marL="0" marR="0" lvl="0" indent="0" algn="ctr" defTabSz="457200" rtl="0" eaLnBrk="1" fontAlgn="auto" latinLnBrk="0" hangingPunct="1">
-              <a:lnSpc>
-                <a:spcPct val="100000"/>
-              </a:lnSpc>
-              <a:spcBef>
-                <a:spcPts val="0"/>
-              </a:spcBef>
-              <a:spcAft>
-                <a:spcPts val="0"/>
-              </a:spcAft>
-              <a:buClrTx/>
-              <a:buSzTx/>
-              <a:buFontTx/>
-              <a:buNone/>
-              <a:tabLst/>
-              <a:defRPr/>
-            </a:pPr>
-            <a:endParaRPr kumimoji="0" lang="en-US" sz="1800" b="0" i="0" u="none" strike="noStrike" kern="1200" cap="none" spc="0" normalizeH="0" baseline="0" noProof="0">
-              <a:ln>
-                <a:noFill/>
-              </a:ln>
-              <a:solidFill>
-                <a:prstClr val="black"/>
-              </a:solidFill>
-              <a:effectLst/>
-              <a:uLnTx/>
-              <a:uFillTx/>
-              <a:latin typeface="Calibri" panose="020F0502020204030204"/>
-              <a:ea typeface="+mn-ea"/>
-              <a:cs typeface="+mn-cs"/>
-            </a:endParaRPr>
-          </a:p>
-        </p:txBody>
-      </p:sp>
-      <p:grpSp>
-        <p:nvGrpSpPr>
-          <p:cNvPr id="39" name="Group 38">
+      </p:pic>
+      <p:pic>
+        <p:nvPicPr>
+          <p:cNvPr id="7" name="Рисунок 6" descr="Изображение выглядит как черный, сидит, большой, дисплей&#10;&#10;Автоматически созданное описание">
             <a:extLst>
               <a:ext uri="{FF2B5EF4-FFF2-40B4-BE49-F238E27FC236}">
-                <a16:creationId xmlns:a16="http://schemas.microsoft.com/office/drawing/2014/main" id="{B57BDC17-F1B3-455F-BBF1-680AA1F25C06}"/>
-              </a:ext>
-              <a:ext uri="{C183D7F6-B498-43B3-948B-1728B52AA6E4}">
-                <adec:decorative xmlns:adec="http://schemas.microsoft.com/office/drawing/2017/decorative" val="1"/>
+                <a16:creationId xmlns:a16="http://schemas.microsoft.com/office/drawing/2014/main" id="{38EDA7A7-FC8D-4A44-8B0D-04DA9D9F4DC3}"/>
               </a:ext>
             </a:extLst>
           </p:cNvPr>
-          <p:cNvGrpSpPr>
-            <a:grpSpLocks noGrp="1" noUngrp="1" noRot="1" noChangeAspect="1" noMove="1" noResize="1"/>
-          </p:cNvGrpSpPr>
-          <p:nvPr>
-            <p:extLst>
-              <p:ext uri="{386F3935-93C4-4BCD-93E2-E3B085C9AB24}">
-                <p16:designElem xmlns:p16="http://schemas.microsoft.com/office/powerpoint/2015/main" val="1"/>
-              </p:ext>
-            </p:extLst>
-          </p:nvPr>
-        </p:nvGrpSpPr>
-        <p:grpSpPr>
-          <a:xfrm>
-            <a:off x="3315292" y="0"/>
-            <a:ext cx="2436813" cy="6858001"/>
-            <a:chOff x="1320800" y="0"/>
-            <a:chExt cx="2436813" cy="6858001"/>
-          </a:xfrm>
-        </p:grpSpPr>
-        <p:sp>
-          <p:nvSpPr>
-            <p:cNvPr id="40" name="Freeform 6">
-              <a:extLst>
-                <a:ext uri="{FF2B5EF4-FFF2-40B4-BE49-F238E27FC236}">
-                  <a16:creationId xmlns:a16="http://schemas.microsoft.com/office/drawing/2014/main" id="{64E2FA9A-FEF7-4501-B0EB-5E45EDD2177A}"/>
-                </a:ext>
-                <a:ext uri="{C183D7F6-B498-43B3-948B-1728B52AA6E4}">
-                  <adec:decorative xmlns:adec="http://schemas.microsoft.com/office/drawing/2017/decorative" val="1"/>
-                </a:ext>
-              </a:extLst>
-            </p:cNvPr>
-            <p:cNvSpPr/>
-            <p:nvPr>
-              <p:extLst>
-                <p:ext uri="{386F3935-93C4-4BCD-93E2-E3B085C9AB24}">
-                  <p16:designElem xmlns:p16="http://schemas.microsoft.com/office/powerpoint/2015/main" val="1"/>
-                </p:ext>
-              </p:extLst>
-            </p:nvPr>
-          </p:nvSpPr>
-          <p:spPr bwMode="auto">
-            <a:xfrm>
-              <a:off x="1627188" y="0"/>
-              <a:ext cx="1122363" cy="5329238"/>
-            </a:xfrm>
-            <a:custGeom>
-              <a:avLst/>
-              <a:gdLst/>
-              <a:ahLst/>
-              <a:cxnLst/>
-              <a:rect l="0" t="0" r="r" b="b"/>
-              <a:pathLst>
-                <a:path w="707" h="3357">
-                  <a:moveTo>
-                    <a:pt x="0" y="3330"/>
-                  </a:moveTo>
-                  <a:lnTo>
-                    <a:pt x="156" y="3357"/>
-                  </a:lnTo>
-                  <a:lnTo>
-                    <a:pt x="707" y="0"/>
-                  </a:lnTo>
-                  <a:lnTo>
-                    <a:pt x="547" y="0"/>
-                  </a:lnTo>
-                  <a:lnTo>
-                    <a:pt x="0" y="3330"/>
-                  </a:lnTo>
-                  <a:close/>
-                </a:path>
-              </a:pathLst>
-            </a:custGeom>
-            <a:solidFill>
-              <a:schemeClr val="accent1"/>
-            </a:solidFill>
-            <a:ln>
-              <a:noFill/>
-            </a:ln>
-          </p:spPr>
-        </p:sp>
-        <p:sp>
-          <p:nvSpPr>
-            <p:cNvPr id="41" name="Freeform 7">
-              <a:extLst>
-                <a:ext uri="{FF2B5EF4-FFF2-40B4-BE49-F238E27FC236}">
-                  <a16:creationId xmlns:a16="http://schemas.microsoft.com/office/drawing/2014/main" id="{BC38192B-B4CB-47D4-A3B1-10010247F158}"/>
-                </a:ext>
-                <a:ext uri="{C183D7F6-B498-43B3-948B-1728B52AA6E4}">
-                  <adec:decorative xmlns:adec="http://schemas.microsoft.com/office/drawing/2017/decorative" val="1"/>
-                </a:ext>
-              </a:extLst>
-            </p:cNvPr>
-            <p:cNvSpPr/>
-            <p:nvPr>
-              <p:extLst>
-                <p:ext uri="{386F3935-93C4-4BCD-93E2-E3B085C9AB24}">
-                  <p16:designElem xmlns:p16="http://schemas.microsoft.com/office/powerpoint/2015/main" val="1"/>
-                </p:ext>
-              </p:extLst>
-            </p:nvPr>
-          </p:nvSpPr>
-          <p:spPr bwMode="auto">
-            <a:xfrm>
-              <a:off x="1320800" y="0"/>
-              <a:ext cx="1117600" cy="5276850"/>
-            </a:xfrm>
-            <a:custGeom>
-              <a:avLst/>
-              <a:gdLst/>
-              <a:ahLst/>
-              <a:cxnLst/>
-              <a:rect l="0" t="0" r="r" b="b"/>
-              <a:pathLst>
-                <a:path w="704" h="3324">
-                  <a:moveTo>
-                    <a:pt x="704" y="0"/>
-                  </a:moveTo>
-                  <a:lnTo>
-                    <a:pt x="545" y="0"/>
-                  </a:lnTo>
-                  <a:lnTo>
-                    <a:pt x="0" y="3300"/>
-                  </a:lnTo>
-                  <a:lnTo>
-                    <a:pt x="157" y="3324"/>
-                  </a:lnTo>
-                  <a:lnTo>
-                    <a:pt x="704" y="0"/>
-                  </a:lnTo>
-                  <a:close/>
-                </a:path>
-              </a:pathLst>
-            </a:custGeom>
-            <a:solidFill>
-              <a:srgbClr val="595959"/>
-            </a:solidFill>
-            <a:ln>
-              <a:noFill/>
-            </a:ln>
-          </p:spPr>
-        </p:sp>
-        <p:sp>
-          <p:nvSpPr>
-            <p:cNvPr id="42" name="Freeform 8">
-              <a:extLst>
-                <a:ext uri="{FF2B5EF4-FFF2-40B4-BE49-F238E27FC236}">
-                  <a16:creationId xmlns:a16="http://schemas.microsoft.com/office/drawing/2014/main" id="{96330E33-E171-4B0F-82B5-AF7230399B5C}"/>
-                </a:ext>
-                <a:ext uri="{C183D7F6-B498-43B3-948B-1728B52AA6E4}">
-                  <adec:decorative xmlns:adec="http://schemas.microsoft.com/office/drawing/2017/decorative" val="1"/>
-                </a:ext>
-              </a:extLst>
-            </p:cNvPr>
-            <p:cNvSpPr/>
-            <p:nvPr>
-              <p:extLst>
-                <p:ext uri="{386F3935-93C4-4BCD-93E2-E3B085C9AB24}">
-                  <p16:designElem xmlns:p16="http://schemas.microsoft.com/office/powerpoint/2015/main" val="1"/>
-                </p:ext>
-              </p:extLst>
-            </p:nvPr>
-          </p:nvSpPr>
-          <p:spPr bwMode="auto">
-            <a:xfrm>
-              <a:off x="1320800" y="5238750"/>
-              <a:ext cx="1228725" cy="1619250"/>
-            </a:xfrm>
-            <a:custGeom>
-              <a:avLst/>
-              <a:gdLst/>
-              <a:ahLst/>
-              <a:cxnLst/>
-              <a:rect l="0" t="0" r="r" b="b"/>
-              <a:pathLst>
-                <a:path w="774" h="1020">
-                  <a:moveTo>
-                    <a:pt x="0" y="0"/>
-                  </a:moveTo>
-                  <a:lnTo>
-                    <a:pt x="740" y="1020"/>
-                  </a:lnTo>
-                  <a:lnTo>
-                    <a:pt x="774" y="1020"/>
-                  </a:lnTo>
-                  <a:lnTo>
-                    <a:pt x="0" y="0"/>
-                  </a:lnTo>
-                  <a:close/>
-                </a:path>
-              </a:pathLst>
-            </a:custGeom>
-            <a:solidFill>
-              <a:srgbClr val="262626"/>
-            </a:solidFill>
-            <a:ln>
-              <a:noFill/>
-            </a:ln>
-          </p:spPr>
-        </p:sp>
-        <p:sp>
-          <p:nvSpPr>
-            <p:cNvPr id="43" name="Freeform 9">
-              <a:extLst>
-                <a:ext uri="{FF2B5EF4-FFF2-40B4-BE49-F238E27FC236}">
-                  <a16:creationId xmlns:a16="http://schemas.microsoft.com/office/drawing/2014/main" id="{332B1723-69BF-42D7-B757-0FA059E15256}"/>
-                </a:ext>
-                <a:ext uri="{C183D7F6-B498-43B3-948B-1728B52AA6E4}">
-                  <adec:decorative xmlns:adec="http://schemas.microsoft.com/office/drawing/2017/decorative" val="1"/>
-                </a:ext>
-              </a:extLst>
-            </p:cNvPr>
-            <p:cNvSpPr/>
-            <p:nvPr>
-              <p:extLst>
-                <p:ext uri="{386F3935-93C4-4BCD-93E2-E3B085C9AB24}">
-                  <p16:designElem xmlns:p16="http://schemas.microsoft.com/office/powerpoint/2015/main" val="1"/>
-                </p:ext>
-              </p:extLst>
-            </p:nvPr>
-          </p:nvSpPr>
-          <p:spPr bwMode="auto">
-            <a:xfrm>
-              <a:off x="1627188" y="5291138"/>
-              <a:ext cx="1495425" cy="1566863"/>
-            </a:xfrm>
-            <a:custGeom>
-              <a:avLst/>
-              <a:gdLst/>
-              <a:ahLst/>
-              <a:cxnLst/>
-              <a:rect l="0" t="0" r="r" b="b"/>
-              <a:pathLst>
-                <a:path w="942" h="987">
-                  <a:moveTo>
-                    <a:pt x="0" y="0"/>
-                  </a:moveTo>
-                  <a:lnTo>
-                    <a:pt x="909" y="987"/>
-                  </a:lnTo>
-                  <a:lnTo>
-                    <a:pt x="942" y="987"/>
-                  </a:lnTo>
-                  <a:lnTo>
-                    <a:pt x="0" y="0"/>
-                  </a:lnTo>
-                  <a:close/>
-                </a:path>
-              </a:pathLst>
-            </a:custGeom>
-            <a:solidFill>
-              <a:schemeClr val="accent1">
-                <a:lumMod val="50000"/>
-              </a:schemeClr>
-            </a:solidFill>
-            <a:ln>
-              <a:noFill/>
-            </a:ln>
-          </p:spPr>
-        </p:sp>
-        <p:sp>
-          <p:nvSpPr>
-            <p:cNvPr id="44" name="Freeform 10">
-              <a:extLst>
-                <a:ext uri="{FF2B5EF4-FFF2-40B4-BE49-F238E27FC236}">
-                  <a16:creationId xmlns:a16="http://schemas.microsoft.com/office/drawing/2014/main" id="{F115D62D-1E96-48D1-A78D-D370A0BFB9B5}"/>
-                </a:ext>
-                <a:ext uri="{C183D7F6-B498-43B3-948B-1728B52AA6E4}">
-                  <adec:decorative xmlns:adec="http://schemas.microsoft.com/office/drawing/2017/decorative" val="1"/>
-                </a:ext>
-              </a:extLst>
-            </p:cNvPr>
-            <p:cNvSpPr/>
-            <p:nvPr>
-              <p:extLst>
-                <p:ext uri="{386F3935-93C4-4BCD-93E2-E3B085C9AB24}">
-                  <p16:designElem xmlns:p16="http://schemas.microsoft.com/office/powerpoint/2015/main" val="1"/>
-                </p:ext>
-              </p:extLst>
-            </p:nvPr>
-          </p:nvSpPr>
-          <p:spPr bwMode="auto">
-            <a:xfrm>
-              <a:off x="1627188" y="5286375"/>
-              <a:ext cx="2130425" cy="1571625"/>
-            </a:xfrm>
-            <a:custGeom>
-              <a:avLst/>
-              <a:gdLst/>
-              <a:ahLst/>
-              <a:cxnLst/>
-              <a:rect l="0" t="0" r="r" b="b"/>
-              <a:pathLst>
-                <a:path w="1342" h="990">
-                  <a:moveTo>
-                    <a:pt x="0" y="3"/>
-                  </a:moveTo>
-                  <a:lnTo>
-                    <a:pt x="942" y="990"/>
-                  </a:lnTo>
-                  <a:lnTo>
-                    <a:pt x="1342" y="990"/>
-                  </a:lnTo>
-                  <a:lnTo>
-                    <a:pt x="156" y="27"/>
-                  </a:lnTo>
-                  <a:lnTo>
-                    <a:pt x="0" y="0"/>
-                  </a:lnTo>
-                  <a:lnTo>
-                    <a:pt x="0" y="3"/>
-                  </a:lnTo>
-                  <a:close/>
-                </a:path>
-              </a:pathLst>
-            </a:custGeom>
-            <a:solidFill>
-              <a:schemeClr val="accent1">
-                <a:lumMod val="75000"/>
-              </a:schemeClr>
-            </a:solidFill>
-            <a:ln>
-              <a:noFill/>
-            </a:ln>
-          </p:spPr>
-        </p:sp>
-        <p:sp>
-          <p:nvSpPr>
-            <p:cNvPr id="45" name="Freeform 11">
-              <a:extLst>
-                <a:ext uri="{FF2B5EF4-FFF2-40B4-BE49-F238E27FC236}">
-                  <a16:creationId xmlns:a16="http://schemas.microsoft.com/office/drawing/2014/main" id="{91C2876A-169D-4822-A766-C00578C88B4B}"/>
-                </a:ext>
-                <a:ext uri="{C183D7F6-B498-43B3-948B-1728B52AA6E4}">
-                  <adec:decorative xmlns:adec="http://schemas.microsoft.com/office/drawing/2017/decorative" val="1"/>
-                </a:ext>
-              </a:extLst>
-            </p:cNvPr>
-            <p:cNvSpPr/>
-            <p:nvPr>
-              <p:extLst>
-                <p:ext uri="{386F3935-93C4-4BCD-93E2-E3B085C9AB24}">
-                  <p16:designElem xmlns:p16="http://schemas.microsoft.com/office/powerpoint/2015/main" val="1"/>
-                </p:ext>
-              </p:extLst>
-            </p:nvPr>
-          </p:nvSpPr>
-          <p:spPr bwMode="auto">
-            <a:xfrm>
-              <a:off x="1320800" y="5238750"/>
-              <a:ext cx="1695450" cy="1619250"/>
-            </a:xfrm>
-            <a:custGeom>
-              <a:avLst/>
-              <a:gdLst/>
-              <a:ahLst/>
-              <a:cxnLst/>
-              <a:rect l="0" t="0" r="r" b="b"/>
-              <a:pathLst>
-                <a:path w="1068" h="1020">
-                  <a:moveTo>
-                    <a:pt x="1068" y="1020"/>
-                  </a:moveTo>
-                  <a:lnTo>
-                    <a:pt x="184" y="60"/>
-                  </a:lnTo>
-                  <a:lnTo>
-                    <a:pt x="154" y="27"/>
-                  </a:lnTo>
-                  <a:lnTo>
-                    <a:pt x="157" y="27"/>
-                  </a:lnTo>
-                  <a:lnTo>
-                    <a:pt x="157" y="24"/>
-                  </a:lnTo>
-                  <a:lnTo>
-                    <a:pt x="154" y="24"/>
-                  </a:lnTo>
-                  <a:lnTo>
-                    <a:pt x="0" y="0"/>
-                  </a:lnTo>
-                  <a:lnTo>
-                    <a:pt x="0" y="0"/>
-                  </a:lnTo>
-                  <a:lnTo>
-                    <a:pt x="774" y="1020"/>
-                  </a:lnTo>
-                  <a:lnTo>
-                    <a:pt x="1068" y="1020"/>
-                  </a:lnTo>
-                  <a:close/>
-                </a:path>
-              </a:pathLst>
-            </a:custGeom>
-            <a:solidFill>
-              <a:srgbClr val="404040"/>
-            </a:solidFill>
-            <a:ln>
-              <a:noFill/>
-            </a:ln>
-          </p:spPr>
-        </p:sp>
-      </p:grpSp>
-      <p:sp>
-        <p:nvSpPr>
-          <p:cNvPr id="2" name="Заголовок 1">
+          <p:cNvPicPr>
+            <a:picLocks noChangeAspect="1"/>
+          </p:cNvPicPr>
+          <p:nvPr/>
+        </p:nvPicPr>
+        <p:blipFill>
+          <a:blip r:embed="rId3">
             <a:extLst>
-              <a:ext uri="{FF2B5EF4-FFF2-40B4-BE49-F238E27FC236}">
-                <a16:creationId xmlns:a16="http://schemas.microsoft.com/office/drawing/2014/main" id="{1F1D7318-F455-47C9-B137-8D01121BFAC0}"/>
+              <a:ext uri="{28A0092B-C50C-407E-A947-70E740481C1C}">
+                <a14:useLocalDpi xmlns:a14="http://schemas.microsoft.com/office/drawing/2010/main" val="0"/>
               </a:ext>
             </a:extLst>
-          </p:cNvPr>
-          <p:cNvSpPr>
-            <a:spLocks noGrp="1"/>
-          </p:cNvSpPr>
-          <p:nvPr>
-            <p:ph type="title"/>
-          </p:nvPr>
-        </p:nvSpPr>
+          </a:blip>
+          <a:stretch>
+            <a:fillRect/>
+          </a:stretch>
+        </p:blipFill>
         <p:spPr>
           <a:xfrm>
-            <a:off x="535020" y="685800"/>
-            <a:ext cx="2780271" cy="5105400"/>
+            <a:off x="5873750" y="0"/>
+            <a:ext cx="6318250" cy="6858000"/>
           </a:xfrm>
+          <a:prstGeom prst="rect">
+            <a:avLst/>
+          </a:prstGeom>
         </p:spPr>
-        <p:txBody>
-          <a:bodyPr>
-            <a:normAutofit/>
-          </a:bodyPr>
-          <a:lstStyle/>
-          <a:p>
-            <a:r>
-              <a:rPr lang="ru-RU" sz="4000" dirty="0">
-                <a:solidFill>
-                  <a:srgbClr val="FFFFFF"/>
-                </a:solidFill>
-              </a:rPr>
-              <a:t>Структура проекта на момент получения</a:t>
-            </a:r>
-          </a:p>
-        </p:txBody>
-      </p:sp>
-      <p:graphicFrame>
-        <p:nvGraphicFramePr>
-          <p:cNvPr id="5" name="Объект 2">
-            <a:extLst>
-              <a:ext uri="{FF2B5EF4-FFF2-40B4-BE49-F238E27FC236}">
-                <a16:creationId xmlns:a16="http://schemas.microsoft.com/office/drawing/2014/main" id="{2E676FED-6544-481A-906D-AB9213FC9341}"/>
-              </a:ext>
-            </a:extLst>
-          </p:cNvPr>
-          <p:cNvGraphicFramePr>
-            <a:graphicFrameLocks noGrp="1"/>
-          </p:cNvGraphicFramePr>
-          <p:nvPr>
-            <p:ph idx="1"/>
-            <p:extLst>
-              <p:ext uri="{D42A27DB-BD31-4B8C-83A1-F6EECF244321}">
-                <p14:modId xmlns:p14="http://schemas.microsoft.com/office/powerpoint/2010/main" val="304500589"/>
-              </p:ext>
-            </p:extLst>
-          </p:nvPr>
-        </p:nvGraphicFramePr>
-        <p:xfrm>
-          <a:off x="5010150" y="685800"/>
-          <a:ext cx="6492875" cy="5105400"/>
-        </p:xfrm>
-        <a:graphic>
-          <a:graphicData uri="http://schemas.openxmlformats.org/drawingml/2006/diagram">
-            <dgm:relIds xmlns:dgm="http://schemas.openxmlformats.org/drawingml/2006/diagram" xmlns:r="http://schemas.openxmlformats.org/officeDocument/2006/relationships" r:dm="rId2" r:lo="rId3" r:qs="rId4" r:cs="rId5"/>
-          </a:graphicData>
-        </a:graphic>
-      </p:graphicFrame>
+      </p:pic>
     </p:spTree>
     <p:extLst>
       <p:ext uri="{BB962C8B-B14F-4D97-AF65-F5344CB8AC3E}">
-        <p14:creationId xmlns:p14="http://schemas.microsoft.com/office/powerpoint/2010/main" val="1818248540"/>
+        <p14:creationId xmlns:p14="http://schemas.microsoft.com/office/powerpoint/2010/main" val="931654594"/>
       </p:ext>
     </p:extLst>
   </p:cSld>

--- a/Презка для проiкта.pptx
+++ b/Презка для проiкта.pptx
@@ -2646,7 +2646,7 @@
           </a:pPr>
           <a:r>
             <a:rPr lang="ru-RU" dirty="0"/>
-            <a:t>Рассылку сообщений</a:t>
+            <a:t>Голосование</a:t>
           </a:r>
           <a:endParaRPr lang="en-US" dirty="0"/>
         </a:p>
@@ -2674,48 +2674,6 @@
         </a:p>
       </dgm:t>
     </dgm:pt>
-    <dgm:pt modelId="{AFFC95B2-BC90-4BBB-8CDD-F87F14418ED6}">
-      <dgm:prSet/>
-      <dgm:spPr/>
-      <dgm:t>
-        <a:bodyPr/>
-        <a:lstStyle/>
-        <a:p>
-          <a:pPr>
-            <a:lnSpc>
-              <a:spcPct val="100000"/>
-            </a:lnSpc>
-          </a:pPr>
-          <a:r>
-            <a:rPr lang="ru-RU" dirty="0"/>
-            <a:t>Голосования</a:t>
-          </a:r>
-          <a:endParaRPr lang="en-US" dirty="0"/>
-        </a:p>
-      </dgm:t>
-    </dgm:pt>
-    <dgm:pt modelId="{8D0D7E6B-7EE5-4240-8E56-023DF58FCB24}" type="parTrans" cxnId="{1775D5F6-A08C-44DE-9CDA-7939D951A053}">
-      <dgm:prSet/>
-      <dgm:spPr/>
-      <dgm:t>
-        <a:bodyPr/>
-        <a:lstStyle/>
-        <a:p>
-          <a:endParaRPr lang="en-US"/>
-        </a:p>
-      </dgm:t>
-    </dgm:pt>
-    <dgm:pt modelId="{655D36E0-54A5-4BAC-94FE-CDCE17210B0A}" type="sibTrans" cxnId="{1775D5F6-A08C-44DE-9CDA-7939D951A053}">
-      <dgm:prSet/>
-      <dgm:spPr/>
-      <dgm:t>
-        <a:bodyPr/>
-        <a:lstStyle/>
-        <a:p>
-          <a:endParaRPr lang="en-US"/>
-        </a:p>
-      </dgm:t>
-    </dgm:pt>
     <dgm:pt modelId="{071B6CAD-5E3F-4E0B-89A3-1F1CEC1D5BBD}">
       <dgm:prSet/>
       <dgm:spPr/>
@@ -2731,6 +2689,21 @@
           <a:r>
             <a:rPr lang="ru-RU" dirty="0"/>
             <a:t>Запросы на добавление в состав ученых</a:t>
+          </a:r>
+        </a:p>
+        <a:p>
+          <a:pPr>
+            <a:lnSpc>
+              <a:spcPct val="100000"/>
+            </a:lnSpc>
+          </a:pPr>
+          <a:r>
+            <a:rPr lang="ru-RU" dirty="0"/>
+            <a:t>Раздел </a:t>
+          </a:r>
+          <a:r>
+            <a:rPr lang="ru-RU" dirty="0" err="1"/>
+            <a:t>обьявлений</a:t>
           </a:r>
           <a:endParaRPr lang="en-US" dirty="0"/>
         </a:p>
@@ -2815,7 +2788,7 @@
           </a:pPr>
           <a:r>
             <a:rPr lang="ru-RU" dirty="0"/>
-            <a:t>Валидацию</a:t>
+            <a:t>Валидация</a:t>
           </a:r>
           <a:endParaRPr lang="en-US" dirty="0"/>
         </a:p>
@@ -2833,48 +2806,6 @@
       </dgm:t>
     </dgm:pt>
     <dgm:pt modelId="{6582F65B-7FB6-4222-8581-9B177135CE18}" type="sibTrans" cxnId="{76C126E7-AA13-4EA4-9E25-5ADDC981EC9A}">
-      <dgm:prSet/>
-      <dgm:spPr/>
-      <dgm:t>
-        <a:bodyPr/>
-        <a:lstStyle/>
-        <a:p>
-          <a:endParaRPr lang="en-US"/>
-        </a:p>
-      </dgm:t>
-    </dgm:pt>
-    <dgm:pt modelId="{97A96000-1A6E-4080-8EF9-4114F5C8760D}">
-      <dgm:prSet/>
-      <dgm:spPr/>
-      <dgm:t>
-        <a:bodyPr/>
-        <a:lstStyle/>
-        <a:p>
-          <a:pPr>
-            <a:lnSpc>
-              <a:spcPct val="100000"/>
-            </a:lnSpc>
-          </a:pPr>
-          <a:r>
-            <a:rPr lang="ru-RU"/>
-            <a:t>Дизайн страниц</a:t>
-          </a:r>
-          <a:endParaRPr lang="en-US"/>
-        </a:p>
-      </dgm:t>
-    </dgm:pt>
-    <dgm:pt modelId="{002D7D02-CCCE-4D36-B42F-3E771F4C74C7}" type="parTrans" cxnId="{5B3AD68A-C8B3-4B1F-8FE0-860F9A88C985}">
-      <dgm:prSet/>
-      <dgm:spPr/>
-      <dgm:t>
-        <a:bodyPr/>
-        <a:lstStyle/>
-        <a:p>
-          <a:endParaRPr lang="en-US"/>
-        </a:p>
-      </dgm:t>
-    </dgm:pt>
-    <dgm:pt modelId="{0B4E5F67-8677-41E3-A01A-85AFEC810234}" type="sibTrans" cxnId="{5B3AD68A-C8B3-4B1F-8FE0-860F9A88C985}">
       <dgm:prSet/>
       <dgm:spPr/>
       <dgm:t>
@@ -3010,20 +2941,16 @@
     </dgm:pt>
   </dgm:ptLst>
   <dgm:cxnLst>
-    <dgm:cxn modelId="{17EF9123-BDEF-4AD3-9A28-26064A333617}" type="presOf" srcId="{AFFC95B2-BC90-4BBB-8CDD-F87F14418ED6}" destId="{BCCE98B3-2FCA-4FFC-BB52-254056FAEE8C}" srcOrd="0" destOrd="1" presId="urn:microsoft.com/office/officeart/2018/2/layout/IconLabelDescriptionList"/>
     <dgm:cxn modelId="{2B441D30-7714-46D0-B201-0C4711F76710}" srcId="{9AD6A3CC-5E52-4362-B84B-182EBFB1F871}" destId="{074E4021-B9DB-4493-BFB9-527213BA1A84}" srcOrd="0" destOrd="0" parTransId="{7EC56586-44D4-41C9-870E-C6FB74408598}" sibTransId="{B5E7FD4A-D508-4B3F-8ECC-E440C1AD2C2C}"/>
     <dgm:cxn modelId="{2FB70735-A523-482C-86E2-83282D894564}" srcId="{0E25254B-C69D-490F-9AFB-86AABF0BCE4A}" destId="{371349F5-D882-4AB0-A74A-7AE186399008}" srcOrd="1" destOrd="0" parTransId="{A751DB0C-F386-438A-AA5A-BA1E0D971BA6}" sibTransId="{07030C5F-DC7B-41A8-8138-51DCF5688F31}"/>
-    <dgm:cxn modelId="{68D09F40-EA3B-4A7A-9929-7F448BF8C664}" srcId="{9AD6A3CC-5E52-4362-B84B-182EBFB1F871}" destId="{071B6CAD-5E3F-4E0B-89A3-1F1CEC1D5BBD}" srcOrd="2" destOrd="0" parTransId="{2C1F60A4-ACB1-4F6D-8982-2358629FF9F1}" sibTransId="{E84560F4-9E89-441A-9C60-1B79D2F5D006}"/>
+    <dgm:cxn modelId="{68D09F40-EA3B-4A7A-9929-7F448BF8C664}" srcId="{9AD6A3CC-5E52-4362-B84B-182EBFB1F871}" destId="{071B6CAD-5E3F-4E0B-89A3-1F1CEC1D5BBD}" srcOrd="1" destOrd="0" parTransId="{2C1F60A4-ACB1-4F6D-8982-2358629FF9F1}" sibTransId="{E84560F4-9E89-441A-9C60-1B79D2F5D006}"/>
     <dgm:cxn modelId="{8E39AB5C-1FA0-4224-8E0F-29DC7382E151}" type="presOf" srcId="{371349F5-D882-4AB0-A74A-7AE186399008}" destId="{BAAAAED7-E468-4FFD-B63A-956E255A7234}" srcOrd="0" destOrd="0" presId="urn:microsoft.com/office/officeart/2018/2/layout/IconLabelDescriptionList"/>
     <dgm:cxn modelId="{B5A8A068-BFFC-4466-86DC-EC11037467F1}" type="presOf" srcId="{EAC5CDBB-BC69-4F90-97BA-5BB36FE07FD3}" destId="{4EC08A59-537C-49BF-AED0-019630A79527}" srcOrd="0" destOrd="0" presId="urn:microsoft.com/office/officeart/2018/2/layout/IconLabelDescriptionList"/>
-    <dgm:cxn modelId="{5B3AD68A-C8B3-4B1F-8FE0-860F9A88C985}" srcId="{371349F5-D882-4AB0-A74A-7AE186399008}" destId="{97A96000-1A6E-4080-8EF9-4114F5C8760D}" srcOrd="1" destOrd="0" parTransId="{002D7D02-CCCE-4D36-B42F-3E771F4C74C7}" sibTransId="{0B4E5F67-8677-41E3-A01A-85AFEC810234}"/>
     <dgm:cxn modelId="{95F95A9D-3C1F-4252-97C9-82573535D35E}" type="presOf" srcId="{074E4021-B9DB-4493-BFB9-527213BA1A84}" destId="{BCCE98B3-2FCA-4FFC-BB52-254056FAEE8C}" srcOrd="0" destOrd="0" presId="urn:microsoft.com/office/officeart/2018/2/layout/IconLabelDescriptionList"/>
     <dgm:cxn modelId="{804E1ACA-5A2F-49EA-B734-AB1365303052}" type="presOf" srcId="{9AD6A3CC-5E52-4362-B84B-182EBFB1F871}" destId="{889CE57D-426C-4D3C-ADDB-F2688FACA723}" srcOrd="0" destOrd="0" presId="urn:microsoft.com/office/officeart/2018/2/layout/IconLabelDescriptionList"/>
     <dgm:cxn modelId="{2B5272DE-5F12-4071-ADF0-722196B5676D}" type="presOf" srcId="{0E25254B-C69D-490F-9AFB-86AABF0BCE4A}" destId="{C149FBEE-06BC-4E23-925F-332867E59734}" srcOrd="0" destOrd="0" presId="urn:microsoft.com/office/officeart/2018/2/layout/IconLabelDescriptionList"/>
     <dgm:cxn modelId="{76C126E7-AA13-4EA4-9E25-5ADDC981EC9A}" srcId="{371349F5-D882-4AB0-A74A-7AE186399008}" destId="{EAC5CDBB-BC69-4F90-97BA-5BB36FE07FD3}" srcOrd="0" destOrd="0" parTransId="{DF821AB7-FE73-4E3F-A363-DAA2F7235DCC}" sibTransId="{6582F65B-7FB6-4222-8581-9B177135CE18}"/>
-    <dgm:cxn modelId="{23C5A9F2-5EE9-4FEE-9A14-CA21EAC0FA4D}" type="presOf" srcId="{071B6CAD-5E3F-4E0B-89A3-1F1CEC1D5BBD}" destId="{BCCE98B3-2FCA-4FFC-BB52-254056FAEE8C}" srcOrd="0" destOrd="2" presId="urn:microsoft.com/office/officeart/2018/2/layout/IconLabelDescriptionList"/>
-    <dgm:cxn modelId="{6B7847F3-0973-4DF7-A7A0-0E6D44D02559}" type="presOf" srcId="{97A96000-1A6E-4080-8EF9-4114F5C8760D}" destId="{4EC08A59-537C-49BF-AED0-019630A79527}" srcOrd="0" destOrd="1" presId="urn:microsoft.com/office/officeart/2018/2/layout/IconLabelDescriptionList"/>
-    <dgm:cxn modelId="{1775D5F6-A08C-44DE-9CDA-7939D951A053}" srcId="{9AD6A3CC-5E52-4362-B84B-182EBFB1F871}" destId="{AFFC95B2-BC90-4BBB-8CDD-F87F14418ED6}" srcOrd="1" destOrd="0" parTransId="{8D0D7E6B-7EE5-4240-8E56-023DF58FCB24}" sibTransId="{655D36E0-54A5-4BAC-94FE-CDCE17210B0A}"/>
+    <dgm:cxn modelId="{23C5A9F2-5EE9-4FEE-9A14-CA21EAC0FA4D}" type="presOf" srcId="{071B6CAD-5E3F-4E0B-89A3-1F1CEC1D5BBD}" destId="{BCCE98B3-2FCA-4FFC-BB52-254056FAEE8C}" srcOrd="0" destOrd="1" presId="urn:microsoft.com/office/officeart/2018/2/layout/IconLabelDescriptionList"/>
     <dgm:cxn modelId="{7BD27DFC-09C9-4B30-B8FF-FE558FD4C212}" srcId="{0E25254B-C69D-490F-9AFB-86AABF0BCE4A}" destId="{9AD6A3CC-5E52-4362-B84B-182EBFB1F871}" srcOrd="0" destOrd="0" parTransId="{E332303C-883E-4E6E-B8E4-74138CCEBD0C}" sibTransId="{FA7B65BA-8DCA-4346-8DAC-495613E5FE92}"/>
     <dgm:cxn modelId="{318828BA-49A3-4945-8694-019D3465BE0E}" type="presParOf" srcId="{C149FBEE-06BC-4E23-925F-332867E59734}" destId="{BB572A36-FE7C-425C-91F1-AD10C85CFB2C}" srcOrd="0" destOrd="0" presId="urn:microsoft.com/office/officeart/2018/2/layout/IconLabelDescriptionList"/>
     <dgm:cxn modelId="{A992E368-97C7-4508-8C22-5F9025929048}" type="presParOf" srcId="{BB572A36-FE7C-425C-91F1-AD10C85CFB2C}" destId="{37BBF28C-14E4-4AC4-9723-53DD57A6E2B1}" srcOrd="0" destOrd="0" presId="urn:microsoft.com/office/officeart/2018/2/layout/IconLabelDescriptionList"/>
@@ -3326,7 +3253,7 @@
         <a:p>
           <a:r>
             <a:rPr lang="ru-RU" dirty="0"/>
-            <a:t>Добавить рассылку сообщений</a:t>
+            <a:t>Добавить раздел объявлений</a:t>
           </a:r>
         </a:p>
         <a:p>
@@ -3410,7 +3337,7 @@
         <a:p>
           <a:r>
             <a:rPr lang="ru-RU" dirty="0"/>
-            <a:t>Изменить валидацию и дизайн страниц</a:t>
+            <a:t>Изменить валидацию</a:t>
           </a:r>
         </a:p>
         <a:p>
@@ -3876,26 +3803,7 @@
           </a:pPr>
           <a:r>
             <a:rPr lang="ru-RU" sz="1700" kern="1200" dirty="0"/>
-            <a:t>Рассылку сообщений</a:t>
-          </a:r>
-          <a:endParaRPr lang="en-US" sz="1700" kern="1200" dirty="0"/>
-        </a:p>
-        <a:p>
-          <a:pPr marL="0" lvl="0" indent="0" algn="l" defTabSz="755650">
-            <a:lnSpc>
-              <a:spcPct val="100000"/>
-            </a:lnSpc>
-            <a:spcBef>
-              <a:spcPct val="0"/>
-            </a:spcBef>
-            <a:spcAft>
-              <a:spcPct val="35000"/>
-            </a:spcAft>
-            <a:buNone/>
-          </a:pPr>
-          <a:r>
-            <a:rPr lang="ru-RU" sz="1700" kern="1200" dirty="0"/>
-            <a:t>Голосования</a:t>
+            <a:t>Голосование</a:t>
           </a:r>
           <a:endParaRPr lang="en-US" sz="1700" kern="1200" dirty="0"/>
         </a:p>
@@ -3915,6 +3823,28 @@
           <a:r>
             <a:rPr lang="ru-RU" sz="1700" kern="1200" dirty="0"/>
             <a:t>Запросы на добавление в состав ученых</a:t>
+          </a:r>
+        </a:p>
+        <a:p>
+          <a:pPr marL="0" lvl="0" indent="0" algn="l" defTabSz="755650">
+            <a:lnSpc>
+              <a:spcPct val="100000"/>
+            </a:lnSpc>
+            <a:spcBef>
+              <a:spcPct val="0"/>
+            </a:spcBef>
+            <a:spcAft>
+              <a:spcPct val="35000"/>
+            </a:spcAft>
+            <a:buNone/>
+          </a:pPr>
+          <a:r>
+            <a:rPr lang="ru-RU" sz="1700" kern="1200" dirty="0"/>
+            <a:t>Раздел </a:t>
+          </a:r>
+          <a:r>
+            <a:rPr lang="ru-RU" sz="1700" kern="1200" dirty="0" err="1"/>
+            <a:t>обьявлений</a:t>
           </a:r>
           <a:endParaRPr lang="en-US" sz="1700" kern="1200" dirty="0"/>
         </a:p>
@@ -4087,28 +4017,9 @@
           </a:pPr>
           <a:r>
             <a:rPr lang="ru-RU" sz="1700" kern="1200" dirty="0"/>
-            <a:t>Валидацию</a:t>
+            <a:t>Валидация</a:t>
           </a:r>
           <a:endParaRPr lang="en-US" sz="1700" kern="1200" dirty="0"/>
-        </a:p>
-        <a:p>
-          <a:pPr marL="0" lvl="0" indent="0" algn="l" defTabSz="755650">
-            <a:lnSpc>
-              <a:spcPct val="100000"/>
-            </a:lnSpc>
-            <a:spcBef>
-              <a:spcPct val="0"/>
-            </a:spcBef>
-            <a:spcAft>
-              <a:spcPct val="35000"/>
-            </a:spcAft>
-            <a:buNone/>
-          </a:pPr>
-          <a:r>
-            <a:rPr lang="ru-RU" sz="1700" kern="1200"/>
-            <a:t>Дизайн страниц</a:t>
-          </a:r>
-          <a:endParaRPr lang="en-US" sz="1700" kern="1200"/>
         </a:p>
       </dsp:txBody>
       <dsp:txXfrm>
@@ -4665,7 +4576,7 @@
           </a:pPr>
           <a:r>
             <a:rPr lang="ru-RU" sz="2000" kern="1200" dirty="0"/>
-            <a:t>Добавить рассылку сообщений</a:t>
+            <a:t>Добавить раздел объявлений</a:t>
           </a:r>
         </a:p>
         <a:p>
@@ -5005,7 +4916,7 @@
           </a:pPr>
           <a:r>
             <a:rPr lang="ru-RU" sz="2000" kern="1200" dirty="0"/>
-            <a:t>Изменить валидацию и дизайн страниц</a:t>
+            <a:t>Изменить валидацию</a:t>
           </a:r>
         </a:p>
         <a:p>
@@ -14523,7 +14434,7 @@
             <p:ph idx="1"/>
             <p:extLst>
               <p:ext uri="{D42A27DB-BD31-4B8C-83A1-F6EECF244321}">
-                <p14:modId xmlns:p14="http://schemas.microsoft.com/office/powerpoint/2010/main" val="2646058720"/>
+                <p14:modId xmlns:p14="http://schemas.microsoft.com/office/powerpoint/2010/main" val="1908329575"/>
               </p:ext>
             </p:extLst>
           </p:nvPr>
@@ -17285,7 +17196,7 @@
             <p:ph idx="1"/>
             <p:extLst>
               <p:ext uri="{D42A27DB-BD31-4B8C-83A1-F6EECF244321}">
-                <p14:modId xmlns:p14="http://schemas.microsoft.com/office/powerpoint/2010/main" val="2715823615"/>
+                <p14:modId xmlns:p14="http://schemas.microsoft.com/office/powerpoint/2010/main" val="381282011"/>
               </p:ext>
             </p:extLst>
           </p:nvPr>
